--- a/RFI Management in the REACH Pipeline - REACH Conference 04-22.pptx
+++ b/RFI Management in the REACH Pipeline - REACH Conference 04-22.pptx
@@ -5,13 +5,27 @@
     <p:sldMasterId id="2147483648" r:id="rId1"/>
   </p:sldMasterIdLst>
   <p:notesMasterIdLst>
-    <p:notesMasterId r:id="rId6"/>
+    <p:notesMasterId r:id="rId20"/>
   </p:notesMasterIdLst>
   <p:sldIdLst>
     <p:sldId id="256" r:id="rId2"/>
     <p:sldId id="260" r:id="rId3"/>
-    <p:sldId id="259" r:id="rId4"/>
-    <p:sldId id="257" r:id="rId5"/>
+    <p:sldId id="261" r:id="rId4"/>
+    <p:sldId id="262" r:id="rId5"/>
+    <p:sldId id="264" r:id="rId6"/>
+    <p:sldId id="263" r:id="rId7"/>
+    <p:sldId id="265" r:id="rId8"/>
+    <p:sldId id="267" r:id="rId9"/>
+    <p:sldId id="271" r:id="rId10"/>
+    <p:sldId id="270" r:id="rId11"/>
+    <p:sldId id="268" r:id="rId12"/>
+    <p:sldId id="272" r:id="rId13"/>
+    <p:sldId id="273" r:id="rId14"/>
+    <p:sldId id="274" r:id="rId15"/>
+    <p:sldId id="276" r:id="rId16"/>
+    <p:sldId id="277" r:id="rId17"/>
+    <p:sldId id="259" r:id="rId18"/>
+    <p:sldId id="257" r:id="rId19"/>
   </p:sldIdLst>
   <p:sldSz cx="12192000" cy="6858000"/>
   <p:notesSz cx="6858000" cy="9144000"/>
@@ -208,7 +222,7 @@
           <a:p>
             <a:fld id="{594F98A1-4BB0-4B06-8102-BE06D4E75EDD}" type="datetimeFigureOut">
               <a:rPr lang="en-GB" smtClean="0"/>
-              <a:t>08/04/2022</a:t>
+              <a:t>11/04/2022</a:t>
             </a:fld>
             <a:endParaRPr lang="en-GB"/>
           </a:p>
@@ -623,7 +637,7 @@
           <a:p>
             <a:fld id="{44228C7F-D48C-424F-AC42-739F62610540}" type="datetimeFigureOut">
               <a:rPr lang="en-US" smtClean="0"/>
-              <a:t>4/8/2022</a:t>
+              <a:t>4/11/2022</a:t>
             </a:fld>
             <a:endParaRPr lang="en-US"/>
           </a:p>
@@ -821,7 +835,7 @@
           <a:p>
             <a:fld id="{44228C7F-D48C-424F-AC42-739F62610540}" type="datetimeFigureOut">
               <a:rPr lang="en-US" smtClean="0"/>
-              <a:t>4/8/2022</a:t>
+              <a:t>4/11/2022</a:t>
             </a:fld>
             <a:endParaRPr lang="en-US"/>
           </a:p>
@@ -1029,7 +1043,7 @@
           <a:p>
             <a:fld id="{44228C7F-D48C-424F-AC42-739F62610540}" type="datetimeFigureOut">
               <a:rPr lang="en-US" smtClean="0"/>
-              <a:t>4/8/2022</a:t>
+              <a:t>4/11/2022</a:t>
             </a:fld>
             <a:endParaRPr lang="en-US"/>
           </a:p>
@@ -1227,7 +1241,7 @@
           <a:p>
             <a:fld id="{44228C7F-D48C-424F-AC42-739F62610540}" type="datetimeFigureOut">
               <a:rPr lang="en-US" smtClean="0"/>
-              <a:t>4/8/2022</a:t>
+              <a:t>4/11/2022</a:t>
             </a:fld>
             <a:endParaRPr lang="en-US"/>
           </a:p>
@@ -1502,7 +1516,7 @@
           <a:p>
             <a:fld id="{44228C7F-D48C-424F-AC42-739F62610540}" type="datetimeFigureOut">
               <a:rPr lang="en-US" smtClean="0"/>
-              <a:t>4/8/2022</a:t>
+              <a:t>4/11/2022</a:t>
             </a:fld>
             <a:endParaRPr lang="en-US"/>
           </a:p>
@@ -1767,7 +1781,7 @@
           <a:p>
             <a:fld id="{44228C7F-D48C-424F-AC42-739F62610540}" type="datetimeFigureOut">
               <a:rPr lang="en-US" smtClean="0"/>
-              <a:t>4/8/2022</a:t>
+              <a:t>4/11/2022</a:t>
             </a:fld>
             <a:endParaRPr lang="en-US"/>
           </a:p>
@@ -2179,7 +2193,7 @@
           <a:p>
             <a:fld id="{44228C7F-D48C-424F-AC42-739F62610540}" type="datetimeFigureOut">
               <a:rPr lang="en-US" smtClean="0"/>
-              <a:t>4/8/2022</a:t>
+              <a:t>4/11/2022</a:t>
             </a:fld>
             <a:endParaRPr lang="en-US"/>
           </a:p>
@@ -2320,7 +2334,7 @@
           <a:p>
             <a:fld id="{44228C7F-D48C-424F-AC42-739F62610540}" type="datetimeFigureOut">
               <a:rPr lang="en-US" smtClean="0"/>
-              <a:t>4/8/2022</a:t>
+              <a:t>4/11/2022</a:t>
             </a:fld>
             <a:endParaRPr lang="en-US"/>
           </a:p>
@@ -2433,7 +2447,7 @@
           <a:p>
             <a:fld id="{44228C7F-D48C-424F-AC42-739F62610540}" type="datetimeFigureOut">
               <a:rPr lang="en-US" smtClean="0"/>
-              <a:t>4/8/2022</a:t>
+              <a:t>4/11/2022</a:t>
             </a:fld>
             <a:endParaRPr lang="en-US"/>
           </a:p>
@@ -2744,7 +2758,7 @@
           <a:p>
             <a:fld id="{44228C7F-D48C-424F-AC42-739F62610540}" type="datetimeFigureOut">
               <a:rPr lang="en-US" smtClean="0"/>
-              <a:t>4/8/2022</a:t>
+              <a:t>4/11/2022</a:t>
             </a:fld>
             <a:endParaRPr lang="en-US"/>
           </a:p>
@@ -3035,7 +3049,7 @@
           <a:p>
             <a:fld id="{44228C7F-D48C-424F-AC42-739F62610540}" type="datetimeFigureOut">
               <a:rPr lang="en-US" smtClean="0"/>
-              <a:t>4/8/2022</a:t>
+              <a:t>4/11/2022</a:t>
             </a:fld>
             <a:endParaRPr lang="en-US"/>
           </a:p>
@@ -3276,7 +3290,7 @@
           <a:p>
             <a:fld id="{44228C7F-D48C-424F-AC42-739F62610540}" type="datetimeFigureOut">
               <a:rPr lang="en-US" smtClean="0"/>
-              <a:t>4/8/2022</a:t>
+              <a:t>4/11/2022</a:t>
             </a:fld>
             <a:endParaRPr lang="en-US"/>
           </a:p>
@@ -3958,7 +3972,7 @@
                   </a:schemeClr>
                 </a:solidFill>
               </a:rPr>
-              <a:t>Samuel AK Leeney</a:t>
+              <a:t>Samuel A K Leeney</a:t>
             </a:r>
           </a:p>
         </p:txBody>
@@ -4113,7 +4127,7 @@
 </p:sld>
 </file>
 
-<file path=ppt/slides/slide2.xml><?xml version="1.0" encoding="utf-8"?>
+<file path=ppt/slides/slide10.xml><?xml version="1.0" encoding="utf-8"?>
 <p:sld xmlns:a="http://schemas.openxmlformats.org/drawingml/2006/main" xmlns:r="http://schemas.openxmlformats.org/officeDocument/2006/relationships" xmlns:p="http://schemas.openxmlformats.org/presentationml/2006/main">
   <p:cSld>
     <p:spTree>
@@ -4260,10 +4274,10 @@
       </p:sp>
       <p:sp>
         <p:nvSpPr>
-          <p:cNvPr id="4" name="Content Placeholder 3">
-            <a:extLst>
-              <a:ext uri="{FF2B5EF4-FFF2-40B4-BE49-F238E27FC236}">
-                <a16:creationId xmlns:a16="http://schemas.microsoft.com/office/drawing/2014/main" id="{0E03B90D-9697-4A5F-AE83-328F5C17FCB0}"/>
+          <p:cNvPr id="7" name="Title 6">
+            <a:extLst>
+              <a:ext uri="{FF2B5EF4-FFF2-40B4-BE49-F238E27FC236}">
+                <a16:creationId xmlns:a16="http://schemas.microsoft.com/office/drawing/2014/main" id="{58D177C2-A994-4024-8EF7-8BA5253210C7}"/>
               </a:ext>
             </a:extLst>
           </p:cNvPr>
@@ -4271,42 +4285,212 @@
             <a:spLocks noGrp="1"/>
           </p:cNvSpPr>
           <p:nvPr>
+            <p:ph type="title"/>
+          </p:nvPr>
+        </p:nvSpPr>
+        <p:spPr/>
+        <p:txBody>
+          <a:bodyPr/>
+          <a:lstStyle/>
+          <a:p>
+            <a:r>
+              <a:rPr lang="en-GB" dirty="0"/>
+              <a:t>Excision + Management vi)</a:t>
+            </a:r>
+            <a:br>
+              <a:rPr lang="en-GB" dirty="0"/>
+            </a:br>
+            <a:r>
+              <a:rPr lang="en-GB" sz="2400" dirty="0"/>
+              <a:t>-How much data can we lose (RMSE)?</a:t>
+            </a:r>
+          </a:p>
+        </p:txBody>
+      </p:sp>
+      <p:pic>
+        <p:nvPicPr>
+          <p:cNvPr id="9" name="Content Placeholder 22" descr="Chart, scatter chart&#10;&#10;Description automatically generated">
+            <a:extLst>
+              <a:ext uri="{FF2B5EF4-FFF2-40B4-BE49-F238E27FC236}">
+                <a16:creationId xmlns:a16="http://schemas.microsoft.com/office/drawing/2014/main" id="{6F241B32-DCC4-48DF-91A6-7708AB79DA07}"/>
+              </a:ext>
+            </a:extLst>
+          </p:cNvPr>
+          <p:cNvPicPr>
+            <a:picLocks noGrp="1" noChangeAspect="1"/>
+          </p:cNvPicPr>
+          <p:nvPr>
             <p:ph idx="1"/>
           </p:nvPr>
-        </p:nvSpPr>
-        <p:spPr/>
-        <p:txBody>
-          <a:bodyPr/>
-          <a:lstStyle/>
-          <a:p>
-            <a:endParaRPr lang="en-GB" dirty="0"/>
-          </a:p>
-        </p:txBody>
-      </p:sp>
-      <p:sp>
-        <p:nvSpPr>
-          <p:cNvPr id="7" name="Title 6">
-            <a:extLst>
-              <a:ext uri="{FF2B5EF4-FFF2-40B4-BE49-F238E27FC236}">
-                <a16:creationId xmlns:a16="http://schemas.microsoft.com/office/drawing/2014/main" id="{58D177C2-A994-4024-8EF7-8BA5253210C7}"/>
-              </a:ext>
-            </a:extLst>
-          </p:cNvPr>
-          <p:cNvSpPr>
-            <a:spLocks noGrp="1"/>
-          </p:cNvSpPr>
-          <p:nvPr>
-            <p:ph type="title"/>
-          </p:nvPr>
-        </p:nvSpPr>
-        <p:spPr/>
-        <p:txBody>
-          <a:bodyPr/>
-          <a:lstStyle/>
-          <a:p>
-            <a:r>
-              <a:rPr lang="en-GB" dirty="0"/>
-              <a:t>The Problem</a:t>
+        </p:nvPicPr>
+        <p:blipFill>
+          <a:blip r:embed="rId3"/>
+          <a:stretch>
+            <a:fillRect/>
+          </a:stretch>
+        </p:blipFill>
+        <p:spPr>
+          <a:xfrm>
+            <a:off x="1515865" y="1964671"/>
+            <a:ext cx="4383720" cy="3287879"/>
+          </a:xfrm>
+          <a:ln cap="flat">
+            <a:noFill/>
+          </a:ln>
+        </p:spPr>
+      </p:pic>
+      <p:pic>
+        <p:nvPicPr>
+          <p:cNvPr id="11" name="Content Placeholder 24" descr="Chart, scatter chart&#10;&#10;Description automatically generated">
+            <a:extLst>
+              <a:ext uri="{FF2B5EF4-FFF2-40B4-BE49-F238E27FC236}">
+                <a16:creationId xmlns:a16="http://schemas.microsoft.com/office/drawing/2014/main" id="{3E3C913D-24FF-447E-B9A4-2072588ADA64}"/>
+              </a:ext>
+            </a:extLst>
+          </p:cNvPr>
+          <p:cNvPicPr>
+            <a:picLocks noChangeAspect="1"/>
+          </p:cNvPicPr>
+          <p:nvPr/>
+        </p:nvPicPr>
+        <p:blipFill>
+          <a:blip r:embed="rId4"/>
+          <a:stretch>
+            <a:fillRect/>
+          </a:stretch>
+        </p:blipFill>
+        <p:spPr>
+          <a:xfrm>
+            <a:off x="6128185" y="1964671"/>
+            <a:ext cx="4383720" cy="3287879"/>
+          </a:xfrm>
+          <a:prstGeom prst="rect">
+            <a:avLst/>
+          </a:prstGeom>
+          <a:noFill/>
+          <a:ln cap="flat">
+            <a:noFill/>
+          </a:ln>
+        </p:spPr>
+      </p:pic>
+      <p:sp>
+        <p:nvSpPr>
+          <p:cNvPr id="12" name="TextBox 11">
+            <a:extLst>
+              <a:ext uri="{FF2B5EF4-FFF2-40B4-BE49-F238E27FC236}">
+                <a16:creationId xmlns:a16="http://schemas.microsoft.com/office/drawing/2014/main" id="{E8194341-8299-4E00-A2B6-9708A9E4D243}"/>
+              </a:ext>
+            </a:extLst>
+          </p:cNvPr>
+          <p:cNvSpPr txBox="1"/>
+          <p:nvPr/>
+        </p:nvSpPr>
+        <p:spPr>
+          <a:xfrm>
+            <a:off x="3261145" y="2044951"/>
+            <a:ext cx="1002960" cy="356400"/>
+          </a:xfrm>
+          <a:prstGeom prst="rect">
+            <a:avLst/>
+          </a:prstGeom>
+          <a:noFill/>
+          <a:ln cap="flat">
+            <a:noFill/>
+          </a:ln>
+        </p:spPr>
+        <p:txBody>
+          <a:bodyPr vert="horz" wrap="square" lIns="90000" tIns="45000" rIns="90000" bIns="45000" anchor="t" anchorCtr="0" compatLnSpc="0">
+            <a:spAutoFit/>
+          </a:bodyPr>
+          <a:lstStyle/>
+          <a:p>
+            <a:pPr marL="0" marR="0" lvl="0" indent="0" algn="l" rtl="0" hangingPunct="0">
+              <a:lnSpc>
+                <a:spcPct val="100000"/>
+              </a:lnSpc>
+              <a:spcBef>
+                <a:spcPts val="0"/>
+              </a:spcBef>
+              <a:spcAft>
+                <a:spcPts val="0"/>
+              </a:spcAft>
+              <a:buNone/>
+              <a:tabLst/>
+            </a:pPr>
+            <a:r>
+              <a:rPr lang="en-US" sz="1800" b="0" i="0" u="none" strike="noStrike" kern="1200" cap="none" spc="0" baseline="0">
+                <a:ln>
+                  <a:noFill/>
+                </a:ln>
+                <a:solidFill>
+                  <a:srgbClr val="000000"/>
+                </a:solidFill>
+                <a:latin typeface="Liberation Sans" pitchFamily="18"/>
+                <a:ea typeface="Noto Sans CJK SC" pitchFamily="2"/>
+                <a:cs typeface="FreeSans" pitchFamily="2"/>
+              </a:rPr>
+              <a:t>Spiral</a:t>
+            </a:r>
+          </a:p>
+        </p:txBody>
+      </p:sp>
+      <p:sp>
+        <p:nvSpPr>
+          <p:cNvPr id="13" name="TextBox 12">
+            <a:extLst>
+              <a:ext uri="{FF2B5EF4-FFF2-40B4-BE49-F238E27FC236}">
+                <a16:creationId xmlns:a16="http://schemas.microsoft.com/office/drawing/2014/main" id="{311E2D70-3AD1-4852-A6BA-923F29AF3786}"/>
+              </a:ext>
+            </a:extLst>
+          </p:cNvPr>
+          <p:cNvSpPr txBox="1"/>
+          <p:nvPr/>
+        </p:nvSpPr>
+        <p:spPr>
+          <a:xfrm>
+            <a:off x="7994064" y="2044951"/>
+            <a:ext cx="1103400" cy="356400"/>
+          </a:xfrm>
+          <a:prstGeom prst="rect">
+            <a:avLst/>
+          </a:prstGeom>
+          <a:noFill/>
+          <a:ln cap="flat">
+            <a:noFill/>
+          </a:ln>
+        </p:spPr>
+        <p:txBody>
+          <a:bodyPr vert="horz" wrap="square" lIns="90000" tIns="45000" rIns="90000" bIns="45000" anchor="t" anchorCtr="0" compatLnSpc="0">
+            <a:spAutoFit/>
+          </a:bodyPr>
+          <a:lstStyle/>
+          <a:p>
+            <a:pPr marL="0" marR="0" lvl="0" indent="0" algn="l" rtl="0" hangingPunct="0">
+              <a:lnSpc>
+                <a:spcPct val="100000"/>
+              </a:lnSpc>
+              <a:spcBef>
+                <a:spcPts val="0"/>
+              </a:spcBef>
+              <a:spcAft>
+                <a:spcPts val="0"/>
+              </a:spcAft>
+              <a:buNone/>
+              <a:tabLst/>
+            </a:pPr>
+            <a:r>
+              <a:rPr lang="en-US" sz="1800" b="0" i="0" u="none" strike="noStrike" kern="1200" cap="none" spc="0" baseline="0">
+                <a:ln>
+                  <a:noFill/>
+                </a:ln>
+                <a:solidFill>
+                  <a:srgbClr val="000000"/>
+                </a:solidFill>
+                <a:latin typeface="Liberation Sans" pitchFamily="18"/>
+                <a:ea typeface="Noto Sans CJK SC" pitchFamily="2"/>
+                <a:cs typeface="FreeSans" pitchFamily="2"/>
+              </a:rPr>
+              <a:t>Dipole</a:t>
             </a:r>
           </a:p>
         </p:txBody>
@@ -4314,7 +4498,7 @@
     </p:spTree>
     <p:extLst>
       <p:ext uri="{BB962C8B-B14F-4D97-AF65-F5344CB8AC3E}">
-        <p14:creationId xmlns:p14="http://schemas.microsoft.com/office/powerpoint/2010/main" val="2030897784"/>
+        <p14:creationId xmlns:p14="http://schemas.microsoft.com/office/powerpoint/2010/main" val="271090364"/>
       </p:ext>
     </p:extLst>
   </p:cSld>
@@ -4324,7 +4508,1881 @@
 </p:sld>
 </file>
 
-<file path=ppt/slides/slide3.xml><?xml version="1.0" encoding="utf-8"?>
+<file path=ppt/slides/slide11.xml><?xml version="1.0" encoding="utf-8"?>
+<p:sld xmlns:a="http://schemas.openxmlformats.org/drawingml/2006/main" xmlns:r="http://schemas.openxmlformats.org/officeDocument/2006/relationships" xmlns:p="http://schemas.openxmlformats.org/presentationml/2006/main">
+  <p:cSld>
+    <p:spTree>
+      <p:nvGrpSpPr>
+        <p:cNvPr id="1" name=""/>
+        <p:cNvGrpSpPr/>
+        <p:nvPr/>
+      </p:nvGrpSpPr>
+      <p:grpSpPr>
+        <a:xfrm>
+          <a:off x="0" y="0"/>
+          <a:ext cx="0" cy="0"/>
+          <a:chOff x="0" y="0"/>
+          <a:chExt cx="0" cy="0"/>
+        </a:xfrm>
+      </p:grpSpPr>
+      <p:pic>
+        <p:nvPicPr>
+          <p:cNvPr id="6" name="Picture 5" descr="Logo&#10;&#10;Description automatically generated">
+            <a:extLst>
+              <a:ext uri="{FF2B5EF4-FFF2-40B4-BE49-F238E27FC236}">
+                <a16:creationId xmlns:a16="http://schemas.microsoft.com/office/drawing/2014/main" id="{967220C6-22C7-4076-870C-3E07B2666F5A}"/>
+              </a:ext>
+            </a:extLst>
+          </p:cNvPr>
+          <p:cNvPicPr>
+            <a:picLocks noChangeAspect="1"/>
+          </p:cNvPicPr>
+          <p:nvPr/>
+        </p:nvPicPr>
+        <p:blipFill>
+          <a:blip r:embed="rId2"/>
+          <a:stretch>
+            <a:fillRect/>
+          </a:stretch>
+        </p:blipFill>
+        <p:spPr>
+          <a:xfrm>
+            <a:off x="9972113" y="-485870"/>
+            <a:ext cx="2219887" cy="2219887"/>
+          </a:xfrm>
+          <a:prstGeom prst="rect">
+            <a:avLst/>
+          </a:prstGeom>
+        </p:spPr>
+      </p:pic>
+      <p:sp>
+        <p:nvSpPr>
+          <p:cNvPr id="8" name="Rectangle 7">
+            <a:extLst>
+              <a:ext uri="{FF2B5EF4-FFF2-40B4-BE49-F238E27FC236}">
+                <a16:creationId xmlns:a16="http://schemas.microsoft.com/office/drawing/2014/main" id="{BFDD1C8A-D09F-47B1-BF02-2682F682C3A8}"/>
+              </a:ext>
+            </a:extLst>
+          </p:cNvPr>
+          <p:cNvSpPr/>
+          <p:nvPr/>
+        </p:nvSpPr>
+        <p:spPr>
+          <a:xfrm>
+            <a:off x="0" y="6723528"/>
+            <a:ext cx="12192000" cy="134471"/>
+          </a:xfrm>
+          <a:prstGeom prst="rect">
+            <a:avLst/>
+          </a:prstGeom>
+          <a:solidFill>
+            <a:schemeClr val="accent2"/>
+          </a:solidFill>
+        </p:spPr>
+        <p:style>
+          <a:lnRef idx="2">
+            <a:schemeClr val="accent2">
+              <a:shade val="50000"/>
+            </a:schemeClr>
+          </a:lnRef>
+          <a:fillRef idx="1">
+            <a:schemeClr val="accent2"/>
+          </a:fillRef>
+          <a:effectRef idx="0">
+            <a:schemeClr val="accent2"/>
+          </a:effectRef>
+          <a:fontRef idx="minor">
+            <a:schemeClr val="lt1"/>
+          </a:fontRef>
+        </p:style>
+        <p:txBody>
+          <a:bodyPr rtlCol="0" anchor="ctr"/>
+          <a:lstStyle/>
+          <a:p>
+            <a:pPr algn="ctr"/>
+            <a:endParaRPr lang="en-GB"/>
+          </a:p>
+        </p:txBody>
+      </p:sp>
+      <p:sp>
+        <p:nvSpPr>
+          <p:cNvPr id="10" name="Rectangle 9">
+            <a:extLst>
+              <a:ext uri="{FF2B5EF4-FFF2-40B4-BE49-F238E27FC236}">
+                <a16:creationId xmlns:a16="http://schemas.microsoft.com/office/drawing/2014/main" id="{192E015D-6BEF-43F9-9E52-3BC4DA3235B2}"/>
+              </a:ext>
+            </a:extLst>
+          </p:cNvPr>
+          <p:cNvSpPr/>
+          <p:nvPr/>
+        </p:nvSpPr>
+        <p:spPr>
+          <a:xfrm>
+            <a:off x="0" y="0"/>
+            <a:ext cx="12192000" cy="134471"/>
+          </a:xfrm>
+          <a:prstGeom prst="rect">
+            <a:avLst/>
+          </a:prstGeom>
+          <a:solidFill>
+            <a:schemeClr val="accent2"/>
+          </a:solidFill>
+        </p:spPr>
+        <p:style>
+          <a:lnRef idx="2">
+            <a:schemeClr val="accent2">
+              <a:shade val="50000"/>
+            </a:schemeClr>
+          </a:lnRef>
+          <a:fillRef idx="1">
+            <a:schemeClr val="accent2"/>
+          </a:fillRef>
+          <a:effectRef idx="0">
+            <a:schemeClr val="accent2"/>
+          </a:effectRef>
+          <a:fontRef idx="minor">
+            <a:schemeClr val="lt1"/>
+          </a:fontRef>
+        </p:style>
+        <p:txBody>
+          <a:bodyPr rtlCol="0" anchor="ctr"/>
+          <a:lstStyle/>
+          <a:p>
+            <a:pPr algn="ctr"/>
+            <a:endParaRPr lang="en-GB"/>
+          </a:p>
+        </p:txBody>
+      </p:sp>
+      <p:sp>
+        <p:nvSpPr>
+          <p:cNvPr id="7" name="Title 6">
+            <a:extLst>
+              <a:ext uri="{FF2B5EF4-FFF2-40B4-BE49-F238E27FC236}">
+                <a16:creationId xmlns:a16="http://schemas.microsoft.com/office/drawing/2014/main" id="{58D177C2-A994-4024-8EF7-8BA5253210C7}"/>
+              </a:ext>
+            </a:extLst>
+          </p:cNvPr>
+          <p:cNvSpPr>
+            <a:spLocks noGrp="1"/>
+          </p:cNvSpPr>
+          <p:nvPr>
+            <p:ph type="title"/>
+          </p:nvPr>
+        </p:nvSpPr>
+        <p:spPr/>
+        <p:txBody>
+          <a:bodyPr/>
+          <a:lstStyle/>
+          <a:p>
+            <a:r>
+              <a:rPr lang="en-GB" dirty="0"/>
+              <a:t>Excision + Management vii)</a:t>
+            </a:r>
+            <a:br>
+              <a:rPr lang="en-GB" dirty="0"/>
+            </a:br>
+            <a:r>
+              <a:rPr lang="en-GB" sz="2400" dirty="0"/>
+              <a:t>-How much data can we lose?</a:t>
+            </a:r>
+          </a:p>
+        </p:txBody>
+      </p:sp>
+      <p:pic>
+        <p:nvPicPr>
+          <p:cNvPr id="9" name="Content Placeholder 16" descr="Chart, scatter chart&#10;&#10;Description automatically generated">
+            <a:extLst>
+              <a:ext uri="{FF2B5EF4-FFF2-40B4-BE49-F238E27FC236}">
+                <a16:creationId xmlns:a16="http://schemas.microsoft.com/office/drawing/2014/main" id="{AB4FE288-C6C3-47C0-B2E7-387B59089A2F}"/>
+              </a:ext>
+            </a:extLst>
+          </p:cNvPr>
+          <p:cNvPicPr>
+            <a:picLocks noGrp="1" noChangeAspect="1"/>
+          </p:cNvPicPr>
+          <p:nvPr>
+            <p:ph idx="1"/>
+          </p:nvPr>
+        </p:nvPicPr>
+        <p:blipFill>
+          <a:blip r:embed="rId3"/>
+          <a:stretch>
+            <a:fillRect/>
+          </a:stretch>
+        </p:blipFill>
+        <p:spPr>
+          <a:xfrm>
+            <a:off x="6096000" y="2219887"/>
+            <a:ext cx="4383720" cy="3287879"/>
+          </a:xfrm>
+          <a:ln cap="flat">
+            <a:noFill/>
+          </a:ln>
+        </p:spPr>
+      </p:pic>
+      <p:pic>
+        <p:nvPicPr>
+          <p:cNvPr id="11" name="Content Placeholder 14" descr="Chart, scatter chart&#10;&#10;Description automatically generated">
+            <a:extLst>
+              <a:ext uri="{FF2B5EF4-FFF2-40B4-BE49-F238E27FC236}">
+                <a16:creationId xmlns:a16="http://schemas.microsoft.com/office/drawing/2014/main" id="{3F44DC7B-4CA2-48B4-8DC7-BC20CBF2B1FD}"/>
+              </a:ext>
+            </a:extLst>
+          </p:cNvPr>
+          <p:cNvPicPr>
+            <a:picLocks noChangeAspect="1"/>
+          </p:cNvPicPr>
+          <p:nvPr/>
+        </p:nvPicPr>
+        <p:blipFill>
+          <a:blip r:embed="rId4"/>
+          <a:stretch>
+            <a:fillRect/>
+          </a:stretch>
+        </p:blipFill>
+        <p:spPr>
+          <a:xfrm>
+            <a:off x="1483680" y="2219887"/>
+            <a:ext cx="4383720" cy="3287879"/>
+          </a:xfrm>
+          <a:prstGeom prst="rect">
+            <a:avLst/>
+          </a:prstGeom>
+          <a:noFill/>
+          <a:ln cap="flat">
+            <a:noFill/>
+          </a:ln>
+        </p:spPr>
+      </p:pic>
+      <p:sp>
+        <p:nvSpPr>
+          <p:cNvPr id="12" name="TextBox 11">
+            <a:extLst>
+              <a:ext uri="{FF2B5EF4-FFF2-40B4-BE49-F238E27FC236}">
+                <a16:creationId xmlns:a16="http://schemas.microsoft.com/office/drawing/2014/main" id="{895902F6-2C10-462E-AA62-6AFC68D83BE9}"/>
+              </a:ext>
+            </a:extLst>
+          </p:cNvPr>
+          <p:cNvSpPr txBox="1"/>
+          <p:nvPr/>
+        </p:nvSpPr>
+        <p:spPr>
+          <a:xfrm>
+            <a:off x="3421200" y="1999567"/>
+            <a:ext cx="968759" cy="356400"/>
+          </a:xfrm>
+          <a:prstGeom prst="rect">
+            <a:avLst/>
+          </a:prstGeom>
+          <a:noFill/>
+          <a:ln cap="flat">
+            <a:noFill/>
+          </a:ln>
+        </p:spPr>
+        <p:txBody>
+          <a:bodyPr vert="horz" wrap="square" lIns="90000" tIns="45000" rIns="90000" bIns="45000" anchor="t" anchorCtr="0" compatLnSpc="0">
+            <a:spAutoFit/>
+          </a:bodyPr>
+          <a:lstStyle/>
+          <a:p>
+            <a:pPr marL="0" marR="0" lvl="0" indent="0" algn="l" rtl="0" hangingPunct="0">
+              <a:lnSpc>
+                <a:spcPct val="100000"/>
+              </a:lnSpc>
+              <a:spcBef>
+                <a:spcPts val="0"/>
+              </a:spcBef>
+              <a:spcAft>
+                <a:spcPts val="0"/>
+              </a:spcAft>
+              <a:buNone/>
+              <a:tabLst/>
+            </a:pPr>
+            <a:r>
+              <a:rPr lang="en-US" sz="1800" b="0" i="0" u="none" strike="noStrike" kern="1200" cap="none" spc="0" baseline="0">
+                <a:ln>
+                  <a:noFill/>
+                </a:ln>
+                <a:solidFill>
+                  <a:srgbClr val="000000"/>
+                </a:solidFill>
+                <a:latin typeface="Liberation Sans" pitchFamily="18"/>
+                <a:ea typeface="Noto Sans CJK SC" pitchFamily="2"/>
+                <a:cs typeface="FreeSans" pitchFamily="2"/>
+              </a:rPr>
+              <a:t>Spiral</a:t>
+            </a:r>
+          </a:p>
+        </p:txBody>
+      </p:sp>
+      <p:sp>
+        <p:nvSpPr>
+          <p:cNvPr id="13" name="TextBox 12">
+            <a:extLst>
+              <a:ext uri="{FF2B5EF4-FFF2-40B4-BE49-F238E27FC236}">
+                <a16:creationId xmlns:a16="http://schemas.microsoft.com/office/drawing/2014/main" id="{4FC5BFEF-0CD3-4BF2-85F2-81296C872FBB}"/>
+              </a:ext>
+            </a:extLst>
+          </p:cNvPr>
+          <p:cNvSpPr txBox="1"/>
+          <p:nvPr/>
+        </p:nvSpPr>
+        <p:spPr>
+          <a:xfrm>
+            <a:off x="8072760" y="1999567"/>
+            <a:ext cx="968759" cy="356400"/>
+          </a:xfrm>
+          <a:prstGeom prst="rect">
+            <a:avLst/>
+          </a:prstGeom>
+          <a:noFill/>
+          <a:ln cap="flat">
+            <a:noFill/>
+          </a:ln>
+        </p:spPr>
+        <p:txBody>
+          <a:bodyPr vert="horz" wrap="square" lIns="90000" tIns="45000" rIns="90000" bIns="45000" anchor="t" anchorCtr="0" compatLnSpc="0">
+            <a:spAutoFit/>
+          </a:bodyPr>
+          <a:lstStyle/>
+          <a:p>
+            <a:pPr marL="0" marR="0" lvl="0" indent="0" algn="l" rtl="0" hangingPunct="0">
+              <a:lnSpc>
+                <a:spcPct val="100000"/>
+              </a:lnSpc>
+              <a:spcBef>
+                <a:spcPts val="0"/>
+              </a:spcBef>
+              <a:spcAft>
+                <a:spcPts val="0"/>
+              </a:spcAft>
+              <a:buNone/>
+              <a:tabLst/>
+            </a:pPr>
+            <a:r>
+              <a:rPr lang="en-US" sz="1800" b="0" i="0" u="none" strike="noStrike" kern="1200" cap="none" spc="0" baseline="0">
+                <a:ln>
+                  <a:noFill/>
+                </a:ln>
+                <a:solidFill>
+                  <a:srgbClr val="000000"/>
+                </a:solidFill>
+                <a:latin typeface="Liberation Sans" pitchFamily="18"/>
+                <a:ea typeface="Noto Sans CJK SC" pitchFamily="2"/>
+                <a:cs typeface="FreeSans" pitchFamily="2"/>
+              </a:rPr>
+              <a:t>Dipole</a:t>
+            </a:r>
+          </a:p>
+        </p:txBody>
+      </p:sp>
+    </p:spTree>
+    <p:extLst>
+      <p:ext uri="{BB962C8B-B14F-4D97-AF65-F5344CB8AC3E}">
+        <p14:creationId xmlns:p14="http://schemas.microsoft.com/office/powerpoint/2010/main" val="1251583736"/>
+      </p:ext>
+    </p:extLst>
+  </p:cSld>
+  <p:clrMapOvr>
+    <a:masterClrMapping/>
+  </p:clrMapOvr>
+</p:sld>
+</file>
+
+<file path=ppt/slides/slide12.xml><?xml version="1.0" encoding="utf-8"?>
+<p:sld xmlns:a="http://schemas.openxmlformats.org/drawingml/2006/main" xmlns:r="http://schemas.openxmlformats.org/officeDocument/2006/relationships" xmlns:p="http://schemas.openxmlformats.org/presentationml/2006/main">
+  <p:cSld>
+    <p:spTree>
+      <p:nvGrpSpPr>
+        <p:cNvPr id="1" name=""/>
+        <p:cNvGrpSpPr/>
+        <p:nvPr/>
+      </p:nvGrpSpPr>
+      <p:grpSpPr>
+        <a:xfrm>
+          <a:off x="0" y="0"/>
+          <a:ext cx="0" cy="0"/>
+          <a:chOff x="0" y="0"/>
+          <a:chExt cx="0" cy="0"/>
+        </a:xfrm>
+      </p:grpSpPr>
+      <p:sp>
+        <p:nvSpPr>
+          <p:cNvPr id="3" name="Content Placeholder 2">
+            <a:extLst>
+              <a:ext uri="{FF2B5EF4-FFF2-40B4-BE49-F238E27FC236}">
+                <a16:creationId xmlns:a16="http://schemas.microsoft.com/office/drawing/2014/main" id="{08E188DB-A83E-49E2-9B63-4B02712C41A3}"/>
+              </a:ext>
+            </a:extLst>
+          </p:cNvPr>
+          <p:cNvSpPr>
+            <a:spLocks noGrp="1"/>
+          </p:cNvSpPr>
+          <p:nvPr>
+            <p:ph idx="1"/>
+          </p:nvPr>
+        </p:nvSpPr>
+        <p:spPr>
+          <a:xfrm>
+            <a:off x="838200" y="2146511"/>
+            <a:ext cx="5321060" cy="4099014"/>
+          </a:xfrm>
+        </p:spPr>
+        <p:txBody>
+          <a:bodyPr>
+            <a:normAutofit/>
+          </a:bodyPr>
+          <a:lstStyle/>
+          <a:p>
+            <a:r>
+              <a:rPr lang="en-GB" dirty="0"/>
+              <a:t>Constant in time, narrowband.</a:t>
+            </a:r>
+          </a:p>
+          <a:p>
+            <a:r>
+              <a:rPr lang="en-GB" dirty="0"/>
+              <a:t>Temporary, broadband.</a:t>
+            </a:r>
+          </a:p>
+          <a:p>
+            <a:pPr lvl="1"/>
+            <a:r>
+              <a:rPr lang="en-GB" dirty="0"/>
+              <a:t>Can be problematic if &gt;20% of data missing.</a:t>
+            </a:r>
+          </a:p>
+          <a:p>
+            <a:r>
+              <a:rPr lang="en-GB" dirty="0"/>
+              <a:t>Temporary, narrowband.</a:t>
+            </a:r>
+          </a:p>
+          <a:p>
+            <a:pPr lvl="1"/>
+            <a:r>
+              <a:rPr lang="en-GB" dirty="0"/>
+              <a:t>If flagged, can be dealt with</a:t>
+            </a:r>
+          </a:p>
+          <a:p>
+            <a:pPr lvl="1"/>
+            <a:r>
+              <a:rPr lang="en-GB" dirty="0"/>
+              <a:t>If unflagged is a major problem.</a:t>
+            </a:r>
+          </a:p>
+          <a:p>
+            <a:endParaRPr lang="en-GB" dirty="0"/>
+          </a:p>
+          <a:p>
+            <a:endParaRPr lang="en-GB" dirty="0"/>
+          </a:p>
+        </p:txBody>
+      </p:sp>
+      <p:pic>
+        <p:nvPicPr>
+          <p:cNvPr id="6" name="Picture 5" descr="Logo&#10;&#10;Description automatically generated">
+            <a:extLst>
+              <a:ext uri="{FF2B5EF4-FFF2-40B4-BE49-F238E27FC236}">
+                <a16:creationId xmlns:a16="http://schemas.microsoft.com/office/drawing/2014/main" id="{967220C6-22C7-4076-870C-3E07B2666F5A}"/>
+              </a:ext>
+            </a:extLst>
+          </p:cNvPr>
+          <p:cNvPicPr>
+            <a:picLocks noChangeAspect="1"/>
+          </p:cNvPicPr>
+          <p:nvPr/>
+        </p:nvPicPr>
+        <p:blipFill>
+          <a:blip r:embed="rId2"/>
+          <a:stretch>
+            <a:fillRect/>
+          </a:stretch>
+        </p:blipFill>
+        <p:spPr>
+          <a:xfrm>
+            <a:off x="9972113" y="-485870"/>
+            <a:ext cx="2219887" cy="2219887"/>
+          </a:xfrm>
+          <a:prstGeom prst="rect">
+            <a:avLst/>
+          </a:prstGeom>
+        </p:spPr>
+      </p:pic>
+      <p:sp>
+        <p:nvSpPr>
+          <p:cNvPr id="8" name="Rectangle 7">
+            <a:extLst>
+              <a:ext uri="{FF2B5EF4-FFF2-40B4-BE49-F238E27FC236}">
+                <a16:creationId xmlns:a16="http://schemas.microsoft.com/office/drawing/2014/main" id="{BFDD1C8A-D09F-47B1-BF02-2682F682C3A8}"/>
+              </a:ext>
+            </a:extLst>
+          </p:cNvPr>
+          <p:cNvSpPr/>
+          <p:nvPr/>
+        </p:nvSpPr>
+        <p:spPr>
+          <a:xfrm>
+            <a:off x="0" y="6723528"/>
+            <a:ext cx="12192000" cy="134471"/>
+          </a:xfrm>
+          <a:prstGeom prst="rect">
+            <a:avLst/>
+          </a:prstGeom>
+          <a:solidFill>
+            <a:schemeClr val="accent2"/>
+          </a:solidFill>
+        </p:spPr>
+        <p:style>
+          <a:lnRef idx="2">
+            <a:schemeClr val="accent2">
+              <a:shade val="50000"/>
+            </a:schemeClr>
+          </a:lnRef>
+          <a:fillRef idx="1">
+            <a:schemeClr val="accent2"/>
+          </a:fillRef>
+          <a:effectRef idx="0">
+            <a:schemeClr val="accent2"/>
+          </a:effectRef>
+          <a:fontRef idx="minor">
+            <a:schemeClr val="lt1"/>
+          </a:fontRef>
+        </p:style>
+        <p:txBody>
+          <a:bodyPr rtlCol="0" anchor="ctr"/>
+          <a:lstStyle/>
+          <a:p>
+            <a:pPr algn="ctr"/>
+            <a:endParaRPr lang="en-GB"/>
+          </a:p>
+        </p:txBody>
+      </p:sp>
+      <p:sp>
+        <p:nvSpPr>
+          <p:cNvPr id="10" name="Rectangle 9">
+            <a:extLst>
+              <a:ext uri="{FF2B5EF4-FFF2-40B4-BE49-F238E27FC236}">
+                <a16:creationId xmlns:a16="http://schemas.microsoft.com/office/drawing/2014/main" id="{192E015D-6BEF-43F9-9E52-3BC4DA3235B2}"/>
+              </a:ext>
+            </a:extLst>
+          </p:cNvPr>
+          <p:cNvSpPr/>
+          <p:nvPr/>
+        </p:nvSpPr>
+        <p:spPr>
+          <a:xfrm>
+            <a:off x="0" y="0"/>
+            <a:ext cx="12192000" cy="134471"/>
+          </a:xfrm>
+          <a:prstGeom prst="rect">
+            <a:avLst/>
+          </a:prstGeom>
+          <a:solidFill>
+            <a:schemeClr val="accent2"/>
+          </a:solidFill>
+        </p:spPr>
+        <p:style>
+          <a:lnRef idx="2">
+            <a:schemeClr val="accent2">
+              <a:shade val="50000"/>
+            </a:schemeClr>
+          </a:lnRef>
+          <a:fillRef idx="1">
+            <a:schemeClr val="accent2"/>
+          </a:fillRef>
+          <a:effectRef idx="0">
+            <a:schemeClr val="accent2"/>
+          </a:effectRef>
+          <a:fontRef idx="minor">
+            <a:schemeClr val="lt1"/>
+          </a:fontRef>
+        </p:style>
+        <p:txBody>
+          <a:bodyPr rtlCol="0" anchor="ctr"/>
+          <a:lstStyle/>
+          <a:p>
+            <a:pPr algn="ctr"/>
+            <a:endParaRPr lang="en-GB"/>
+          </a:p>
+        </p:txBody>
+      </p:sp>
+      <p:sp>
+        <p:nvSpPr>
+          <p:cNvPr id="7" name="Title 6">
+            <a:extLst>
+              <a:ext uri="{FF2B5EF4-FFF2-40B4-BE49-F238E27FC236}">
+                <a16:creationId xmlns:a16="http://schemas.microsoft.com/office/drawing/2014/main" id="{58D177C2-A994-4024-8EF7-8BA5253210C7}"/>
+              </a:ext>
+            </a:extLst>
+          </p:cNvPr>
+          <p:cNvSpPr>
+            <a:spLocks noGrp="1"/>
+          </p:cNvSpPr>
+          <p:nvPr>
+            <p:ph type="title"/>
+          </p:nvPr>
+        </p:nvSpPr>
+        <p:spPr/>
+        <p:txBody>
+          <a:bodyPr/>
+          <a:lstStyle/>
+          <a:p>
+            <a:r>
+              <a:rPr lang="en-GB" dirty="0"/>
+              <a:t>Flagging </a:t>
+            </a:r>
+            <a:r>
+              <a:rPr lang="en-GB" dirty="0" err="1"/>
+              <a:t>i</a:t>
+            </a:r>
+            <a:r>
+              <a:rPr lang="en-GB" dirty="0"/>
+              <a:t>)</a:t>
+            </a:r>
+            <a:br>
+              <a:rPr lang="en-GB" dirty="0"/>
+            </a:br>
+            <a:r>
+              <a:rPr lang="en-GB" sz="2400" dirty="0"/>
+              <a:t>-Types of RFI?</a:t>
+            </a:r>
+          </a:p>
+        </p:txBody>
+      </p:sp>
+      <p:pic>
+        <p:nvPicPr>
+          <p:cNvPr id="4" name="Picture 3">
+            <a:extLst>
+              <a:ext uri="{FF2B5EF4-FFF2-40B4-BE49-F238E27FC236}">
+                <a16:creationId xmlns:a16="http://schemas.microsoft.com/office/drawing/2014/main" id="{C81410A4-9C14-413F-B5E6-0A113BD68A3C}"/>
+              </a:ext>
+            </a:extLst>
+          </p:cNvPr>
+          <p:cNvPicPr>
+            <a:picLocks noChangeAspect="1"/>
+          </p:cNvPicPr>
+          <p:nvPr/>
+        </p:nvPicPr>
+        <p:blipFill>
+          <a:blip r:embed="rId3"/>
+          <a:stretch>
+            <a:fillRect/>
+          </a:stretch>
+        </p:blipFill>
+        <p:spPr>
+          <a:xfrm>
+            <a:off x="6096000" y="1235731"/>
+            <a:ext cx="5822185" cy="2255716"/>
+          </a:xfrm>
+          <a:prstGeom prst="rect">
+            <a:avLst/>
+          </a:prstGeom>
+        </p:spPr>
+      </p:pic>
+      <p:pic>
+        <p:nvPicPr>
+          <p:cNvPr id="5" name="Picture 4">
+            <a:extLst>
+              <a:ext uri="{FF2B5EF4-FFF2-40B4-BE49-F238E27FC236}">
+                <a16:creationId xmlns:a16="http://schemas.microsoft.com/office/drawing/2014/main" id="{FA96AF5A-DF31-4FB4-BA5F-1EC0166E5B7C}"/>
+              </a:ext>
+            </a:extLst>
+          </p:cNvPr>
+          <p:cNvPicPr>
+            <a:picLocks noChangeAspect="1"/>
+          </p:cNvPicPr>
+          <p:nvPr/>
+        </p:nvPicPr>
+        <p:blipFill>
+          <a:blip r:embed="rId4"/>
+          <a:stretch>
+            <a:fillRect/>
+          </a:stretch>
+        </p:blipFill>
+        <p:spPr>
+          <a:xfrm>
+            <a:off x="7273490" y="3534776"/>
+            <a:ext cx="2993395" cy="2316681"/>
+          </a:xfrm>
+          <a:prstGeom prst="rect">
+            <a:avLst/>
+          </a:prstGeom>
+        </p:spPr>
+      </p:pic>
+      <p:sp>
+        <p:nvSpPr>
+          <p:cNvPr id="2" name="TextBox 1">
+            <a:extLst>
+              <a:ext uri="{FF2B5EF4-FFF2-40B4-BE49-F238E27FC236}">
+                <a16:creationId xmlns:a16="http://schemas.microsoft.com/office/drawing/2014/main" id="{02D7CD0E-EECC-4A5E-9B7B-8C1B26045763}"/>
+              </a:ext>
+            </a:extLst>
+          </p:cNvPr>
+          <p:cNvSpPr txBox="1"/>
+          <p:nvPr/>
+        </p:nvSpPr>
+        <p:spPr>
+          <a:xfrm>
+            <a:off x="7542878" y="5697568"/>
+            <a:ext cx="2341731" cy="276999"/>
+          </a:xfrm>
+          <a:prstGeom prst="rect">
+            <a:avLst/>
+          </a:prstGeom>
+          <a:noFill/>
+        </p:spPr>
+        <p:txBody>
+          <a:bodyPr wrap="none" rtlCol="0">
+            <a:spAutoFit/>
+          </a:bodyPr>
+          <a:lstStyle/>
+          <a:p>
+            <a:r>
+              <a:rPr lang="en-GB" sz="1200" dirty="0"/>
+              <a:t>[Images courtesy of Z. Chen, 2021]</a:t>
+            </a:r>
+          </a:p>
+        </p:txBody>
+      </p:sp>
+    </p:spTree>
+    <p:extLst>
+      <p:ext uri="{BB962C8B-B14F-4D97-AF65-F5344CB8AC3E}">
+        <p14:creationId xmlns:p14="http://schemas.microsoft.com/office/powerpoint/2010/main" val="1673872034"/>
+      </p:ext>
+    </p:extLst>
+  </p:cSld>
+  <p:clrMapOvr>
+    <a:masterClrMapping/>
+  </p:clrMapOvr>
+</p:sld>
+</file>
+
+<file path=ppt/slides/slide13.xml><?xml version="1.0" encoding="utf-8"?>
+<p:sld xmlns:a="http://schemas.openxmlformats.org/drawingml/2006/main" xmlns:r="http://schemas.openxmlformats.org/officeDocument/2006/relationships" xmlns:p="http://schemas.openxmlformats.org/presentationml/2006/main">
+  <p:cSld>
+    <p:spTree>
+      <p:nvGrpSpPr>
+        <p:cNvPr id="1" name=""/>
+        <p:cNvGrpSpPr/>
+        <p:nvPr/>
+      </p:nvGrpSpPr>
+      <p:grpSpPr>
+        <a:xfrm>
+          <a:off x="0" y="0"/>
+          <a:ext cx="0" cy="0"/>
+          <a:chOff x="0" y="0"/>
+          <a:chExt cx="0" cy="0"/>
+        </a:xfrm>
+      </p:grpSpPr>
+      <p:pic>
+        <p:nvPicPr>
+          <p:cNvPr id="6" name="Picture 5" descr="Logo&#10;&#10;Description automatically generated">
+            <a:extLst>
+              <a:ext uri="{FF2B5EF4-FFF2-40B4-BE49-F238E27FC236}">
+                <a16:creationId xmlns:a16="http://schemas.microsoft.com/office/drawing/2014/main" id="{967220C6-22C7-4076-870C-3E07B2666F5A}"/>
+              </a:ext>
+            </a:extLst>
+          </p:cNvPr>
+          <p:cNvPicPr>
+            <a:picLocks noChangeAspect="1"/>
+          </p:cNvPicPr>
+          <p:nvPr/>
+        </p:nvPicPr>
+        <p:blipFill>
+          <a:blip r:embed="rId2"/>
+          <a:stretch>
+            <a:fillRect/>
+          </a:stretch>
+        </p:blipFill>
+        <p:spPr>
+          <a:xfrm>
+            <a:off x="9972113" y="-485870"/>
+            <a:ext cx="2219887" cy="2219887"/>
+          </a:xfrm>
+          <a:prstGeom prst="rect">
+            <a:avLst/>
+          </a:prstGeom>
+        </p:spPr>
+      </p:pic>
+      <p:sp>
+        <p:nvSpPr>
+          <p:cNvPr id="8" name="Rectangle 7">
+            <a:extLst>
+              <a:ext uri="{FF2B5EF4-FFF2-40B4-BE49-F238E27FC236}">
+                <a16:creationId xmlns:a16="http://schemas.microsoft.com/office/drawing/2014/main" id="{BFDD1C8A-D09F-47B1-BF02-2682F682C3A8}"/>
+              </a:ext>
+            </a:extLst>
+          </p:cNvPr>
+          <p:cNvSpPr/>
+          <p:nvPr/>
+        </p:nvSpPr>
+        <p:spPr>
+          <a:xfrm>
+            <a:off x="0" y="6723528"/>
+            <a:ext cx="12192000" cy="134471"/>
+          </a:xfrm>
+          <a:prstGeom prst="rect">
+            <a:avLst/>
+          </a:prstGeom>
+          <a:solidFill>
+            <a:schemeClr val="accent2"/>
+          </a:solidFill>
+        </p:spPr>
+        <p:style>
+          <a:lnRef idx="2">
+            <a:schemeClr val="accent2">
+              <a:shade val="50000"/>
+            </a:schemeClr>
+          </a:lnRef>
+          <a:fillRef idx="1">
+            <a:schemeClr val="accent2"/>
+          </a:fillRef>
+          <a:effectRef idx="0">
+            <a:schemeClr val="accent2"/>
+          </a:effectRef>
+          <a:fontRef idx="minor">
+            <a:schemeClr val="lt1"/>
+          </a:fontRef>
+        </p:style>
+        <p:txBody>
+          <a:bodyPr rtlCol="0" anchor="ctr"/>
+          <a:lstStyle/>
+          <a:p>
+            <a:pPr algn="ctr"/>
+            <a:endParaRPr lang="en-GB"/>
+          </a:p>
+        </p:txBody>
+      </p:sp>
+      <p:sp>
+        <p:nvSpPr>
+          <p:cNvPr id="10" name="Rectangle 9">
+            <a:extLst>
+              <a:ext uri="{FF2B5EF4-FFF2-40B4-BE49-F238E27FC236}">
+                <a16:creationId xmlns:a16="http://schemas.microsoft.com/office/drawing/2014/main" id="{192E015D-6BEF-43F9-9E52-3BC4DA3235B2}"/>
+              </a:ext>
+            </a:extLst>
+          </p:cNvPr>
+          <p:cNvSpPr/>
+          <p:nvPr/>
+        </p:nvSpPr>
+        <p:spPr>
+          <a:xfrm>
+            <a:off x="0" y="0"/>
+            <a:ext cx="12192000" cy="134471"/>
+          </a:xfrm>
+          <a:prstGeom prst="rect">
+            <a:avLst/>
+          </a:prstGeom>
+          <a:solidFill>
+            <a:schemeClr val="accent2"/>
+          </a:solidFill>
+        </p:spPr>
+        <p:style>
+          <a:lnRef idx="2">
+            <a:schemeClr val="accent2">
+              <a:shade val="50000"/>
+            </a:schemeClr>
+          </a:lnRef>
+          <a:fillRef idx="1">
+            <a:schemeClr val="accent2"/>
+          </a:fillRef>
+          <a:effectRef idx="0">
+            <a:schemeClr val="accent2"/>
+          </a:effectRef>
+          <a:fontRef idx="minor">
+            <a:schemeClr val="lt1"/>
+          </a:fontRef>
+        </p:style>
+        <p:txBody>
+          <a:bodyPr rtlCol="0" anchor="ctr"/>
+          <a:lstStyle/>
+          <a:p>
+            <a:pPr algn="ctr"/>
+            <a:endParaRPr lang="en-GB"/>
+          </a:p>
+        </p:txBody>
+      </p:sp>
+      <p:sp>
+        <p:nvSpPr>
+          <p:cNvPr id="7" name="Title 6">
+            <a:extLst>
+              <a:ext uri="{FF2B5EF4-FFF2-40B4-BE49-F238E27FC236}">
+                <a16:creationId xmlns:a16="http://schemas.microsoft.com/office/drawing/2014/main" id="{58D177C2-A994-4024-8EF7-8BA5253210C7}"/>
+              </a:ext>
+            </a:extLst>
+          </p:cNvPr>
+          <p:cNvSpPr>
+            <a:spLocks noGrp="1"/>
+          </p:cNvSpPr>
+          <p:nvPr>
+            <p:ph type="title"/>
+          </p:nvPr>
+        </p:nvSpPr>
+        <p:spPr/>
+        <p:txBody>
+          <a:bodyPr/>
+          <a:lstStyle/>
+          <a:p>
+            <a:r>
+              <a:rPr lang="en-GB" dirty="0"/>
+              <a:t>Flagging ii)</a:t>
+            </a:r>
+            <a:br>
+              <a:rPr lang="en-GB" dirty="0"/>
+            </a:br>
+            <a:r>
+              <a:rPr lang="en-GB" sz="2400" dirty="0"/>
+              <a:t>-Temporary, narrowband.</a:t>
+            </a:r>
+          </a:p>
+        </p:txBody>
+      </p:sp>
+      <p:pic>
+        <p:nvPicPr>
+          <p:cNvPr id="2" name="Picture 1">
+            <a:extLst>
+              <a:ext uri="{FF2B5EF4-FFF2-40B4-BE49-F238E27FC236}">
+                <a16:creationId xmlns:a16="http://schemas.microsoft.com/office/drawing/2014/main" id="{E42C03E0-21EB-4393-8FA5-84B66229FC6C}"/>
+              </a:ext>
+            </a:extLst>
+          </p:cNvPr>
+          <p:cNvPicPr>
+            <a:picLocks noChangeAspect="1"/>
+          </p:cNvPicPr>
+          <p:nvPr/>
+        </p:nvPicPr>
+        <p:blipFill>
+          <a:blip r:embed="rId3"/>
+          <a:stretch>
+            <a:fillRect/>
+          </a:stretch>
+        </p:blipFill>
+        <p:spPr>
+          <a:xfrm>
+            <a:off x="1608502" y="2495933"/>
+            <a:ext cx="3972787" cy="2950886"/>
+          </a:xfrm>
+          <a:prstGeom prst="rect">
+            <a:avLst/>
+          </a:prstGeom>
+        </p:spPr>
+      </p:pic>
+      <p:pic>
+        <p:nvPicPr>
+          <p:cNvPr id="9" name="Picture 8">
+            <a:extLst>
+              <a:ext uri="{FF2B5EF4-FFF2-40B4-BE49-F238E27FC236}">
+                <a16:creationId xmlns:a16="http://schemas.microsoft.com/office/drawing/2014/main" id="{3E1E3572-443F-4E1C-AEEA-3849B7D473ED}"/>
+              </a:ext>
+            </a:extLst>
+          </p:cNvPr>
+          <p:cNvPicPr>
+            <a:picLocks noChangeAspect="1"/>
+          </p:cNvPicPr>
+          <p:nvPr/>
+        </p:nvPicPr>
+        <p:blipFill>
+          <a:blip r:embed="rId4"/>
+          <a:stretch>
+            <a:fillRect/>
+          </a:stretch>
+        </p:blipFill>
+        <p:spPr>
+          <a:xfrm>
+            <a:off x="6568692" y="2495933"/>
+            <a:ext cx="3923077" cy="2950886"/>
+          </a:xfrm>
+          <a:prstGeom prst="rect">
+            <a:avLst/>
+          </a:prstGeom>
+        </p:spPr>
+      </p:pic>
+      <p:sp>
+        <p:nvSpPr>
+          <p:cNvPr id="18" name="Content Placeholder 2">
+            <a:extLst>
+              <a:ext uri="{FF2B5EF4-FFF2-40B4-BE49-F238E27FC236}">
+                <a16:creationId xmlns:a16="http://schemas.microsoft.com/office/drawing/2014/main" id="{6BDA89BD-18CE-4323-B706-1D650580409C}"/>
+              </a:ext>
+            </a:extLst>
+          </p:cNvPr>
+          <p:cNvSpPr>
+            <a:spLocks noGrp="1"/>
+          </p:cNvSpPr>
+          <p:nvPr>
+            <p:ph idx="1"/>
+          </p:nvPr>
+        </p:nvSpPr>
+        <p:spPr>
+          <a:xfrm>
+            <a:off x="838199" y="1649811"/>
+            <a:ext cx="6753045" cy="610310"/>
+          </a:xfrm>
+        </p:spPr>
+        <p:txBody>
+          <a:bodyPr>
+            <a:normAutofit/>
+          </a:bodyPr>
+          <a:lstStyle/>
+          <a:p>
+            <a:r>
+              <a:rPr lang="en-GB" dirty="0"/>
+              <a:t>Effect of 1Mhz unflagged RFI at 80Mhz</a:t>
+            </a:r>
+          </a:p>
+        </p:txBody>
+      </p:sp>
+      <p:cxnSp>
+        <p:nvCxnSpPr>
+          <p:cNvPr id="22" name="Straight Arrow Connector 21">
+            <a:extLst>
+              <a:ext uri="{FF2B5EF4-FFF2-40B4-BE49-F238E27FC236}">
+                <a16:creationId xmlns:a16="http://schemas.microsoft.com/office/drawing/2014/main" id="{FC9ABFA0-E564-43DB-948A-B90E73DDC98E}"/>
+              </a:ext>
+            </a:extLst>
+          </p:cNvPr>
+          <p:cNvCxnSpPr>
+            <a:stCxn id="2" idx="3"/>
+            <a:endCxn id="9" idx="1"/>
+          </p:cNvCxnSpPr>
+          <p:nvPr/>
+        </p:nvCxnSpPr>
+        <p:spPr>
+          <a:xfrm>
+            <a:off x="5581289" y="3971376"/>
+            <a:ext cx="987403" cy="0"/>
+          </a:xfrm>
+          <a:prstGeom prst="straightConnector1">
+            <a:avLst/>
+          </a:prstGeom>
+          <a:ln>
+            <a:tailEnd type="triangle"/>
+          </a:ln>
+        </p:spPr>
+        <p:style>
+          <a:lnRef idx="1">
+            <a:schemeClr val="dk1"/>
+          </a:lnRef>
+          <a:fillRef idx="0">
+            <a:schemeClr val="dk1"/>
+          </a:fillRef>
+          <a:effectRef idx="0">
+            <a:schemeClr val="dk1"/>
+          </a:effectRef>
+          <a:fontRef idx="minor">
+            <a:schemeClr val="tx1"/>
+          </a:fontRef>
+        </p:style>
+      </p:cxnSp>
+    </p:spTree>
+    <p:extLst>
+      <p:ext uri="{BB962C8B-B14F-4D97-AF65-F5344CB8AC3E}">
+        <p14:creationId xmlns:p14="http://schemas.microsoft.com/office/powerpoint/2010/main" val="4051818911"/>
+      </p:ext>
+    </p:extLst>
+  </p:cSld>
+  <p:clrMapOvr>
+    <a:masterClrMapping/>
+  </p:clrMapOvr>
+</p:sld>
+</file>
+
+<file path=ppt/slides/slide14.xml><?xml version="1.0" encoding="utf-8"?>
+<p:sld xmlns:a="http://schemas.openxmlformats.org/drawingml/2006/main" xmlns:r="http://schemas.openxmlformats.org/officeDocument/2006/relationships" xmlns:p="http://schemas.openxmlformats.org/presentationml/2006/main">
+  <p:cSld>
+    <p:spTree>
+      <p:nvGrpSpPr>
+        <p:cNvPr id="1" name=""/>
+        <p:cNvGrpSpPr/>
+        <p:nvPr/>
+      </p:nvGrpSpPr>
+      <p:grpSpPr>
+        <a:xfrm>
+          <a:off x="0" y="0"/>
+          <a:ext cx="0" cy="0"/>
+          <a:chOff x="0" y="0"/>
+          <a:chExt cx="0" cy="0"/>
+        </a:xfrm>
+      </p:grpSpPr>
+      <p:pic>
+        <p:nvPicPr>
+          <p:cNvPr id="6" name="Picture 5" descr="Logo&#10;&#10;Description automatically generated">
+            <a:extLst>
+              <a:ext uri="{FF2B5EF4-FFF2-40B4-BE49-F238E27FC236}">
+                <a16:creationId xmlns:a16="http://schemas.microsoft.com/office/drawing/2014/main" id="{967220C6-22C7-4076-870C-3E07B2666F5A}"/>
+              </a:ext>
+            </a:extLst>
+          </p:cNvPr>
+          <p:cNvPicPr>
+            <a:picLocks noChangeAspect="1"/>
+          </p:cNvPicPr>
+          <p:nvPr/>
+        </p:nvPicPr>
+        <p:blipFill>
+          <a:blip r:embed="rId2"/>
+          <a:stretch>
+            <a:fillRect/>
+          </a:stretch>
+        </p:blipFill>
+        <p:spPr>
+          <a:xfrm>
+            <a:off x="9972113" y="-485870"/>
+            <a:ext cx="2219887" cy="2219887"/>
+          </a:xfrm>
+          <a:prstGeom prst="rect">
+            <a:avLst/>
+          </a:prstGeom>
+        </p:spPr>
+      </p:pic>
+      <p:sp>
+        <p:nvSpPr>
+          <p:cNvPr id="8" name="Rectangle 7">
+            <a:extLst>
+              <a:ext uri="{FF2B5EF4-FFF2-40B4-BE49-F238E27FC236}">
+                <a16:creationId xmlns:a16="http://schemas.microsoft.com/office/drawing/2014/main" id="{BFDD1C8A-D09F-47B1-BF02-2682F682C3A8}"/>
+              </a:ext>
+            </a:extLst>
+          </p:cNvPr>
+          <p:cNvSpPr/>
+          <p:nvPr/>
+        </p:nvSpPr>
+        <p:spPr>
+          <a:xfrm>
+            <a:off x="0" y="6723528"/>
+            <a:ext cx="12192000" cy="134471"/>
+          </a:xfrm>
+          <a:prstGeom prst="rect">
+            <a:avLst/>
+          </a:prstGeom>
+          <a:solidFill>
+            <a:schemeClr val="accent2"/>
+          </a:solidFill>
+        </p:spPr>
+        <p:style>
+          <a:lnRef idx="2">
+            <a:schemeClr val="accent2">
+              <a:shade val="50000"/>
+            </a:schemeClr>
+          </a:lnRef>
+          <a:fillRef idx="1">
+            <a:schemeClr val="accent2"/>
+          </a:fillRef>
+          <a:effectRef idx="0">
+            <a:schemeClr val="accent2"/>
+          </a:effectRef>
+          <a:fontRef idx="minor">
+            <a:schemeClr val="lt1"/>
+          </a:fontRef>
+        </p:style>
+        <p:txBody>
+          <a:bodyPr rtlCol="0" anchor="ctr"/>
+          <a:lstStyle/>
+          <a:p>
+            <a:pPr algn="ctr"/>
+            <a:endParaRPr lang="en-GB"/>
+          </a:p>
+        </p:txBody>
+      </p:sp>
+      <p:sp>
+        <p:nvSpPr>
+          <p:cNvPr id="10" name="Rectangle 9">
+            <a:extLst>
+              <a:ext uri="{FF2B5EF4-FFF2-40B4-BE49-F238E27FC236}">
+                <a16:creationId xmlns:a16="http://schemas.microsoft.com/office/drawing/2014/main" id="{192E015D-6BEF-43F9-9E52-3BC4DA3235B2}"/>
+              </a:ext>
+            </a:extLst>
+          </p:cNvPr>
+          <p:cNvSpPr/>
+          <p:nvPr/>
+        </p:nvSpPr>
+        <p:spPr>
+          <a:xfrm>
+            <a:off x="0" y="0"/>
+            <a:ext cx="12192000" cy="134471"/>
+          </a:xfrm>
+          <a:prstGeom prst="rect">
+            <a:avLst/>
+          </a:prstGeom>
+          <a:solidFill>
+            <a:schemeClr val="accent2"/>
+          </a:solidFill>
+        </p:spPr>
+        <p:style>
+          <a:lnRef idx="2">
+            <a:schemeClr val="accent2">
+              <a:shade val="50000"/>
+            </a:schemeClr>
+          </a:lnRef>
+          <a:fillRef idx="1">
+            <a:schemeClr val="accent2"/>
+          </a:fillRef>
+          <a:effectRef idx="0">
+            <a:schemeClr val="accent2"/>
+          </a:effectRef>
+          <a:fontRef idx="minor">
+            <a:schemeClr val="lt1"/>
+          </a:fontRef>
+        </p:style>
+        <p:txBody>
+          <a:bodyPr rtlCol="0" anchor="ctr"/>
+          <a:lstStyle/>
+          <a:p>
+            <a:pPr algn="ctr"/>
+            <a:endParaRPr lang="en-GB"/>
+          </a:p>
+        </p:txBody>
+      </p:sp>
+      <p:sp>
+        <p:nvSpPr>
+          <p:cNvPr id="7" name="Title 6">
+            <a:extLst>
+              <a:ext uri="{FF2B5EF4-FFF2-40B4-BE49-F238E27FC236}">
+                <a16:creationId xmlns:a16="http://schemas.microsoft.com/office/drawing/2014/main" id="{58D177C2-A994-4024-8EF7-8BA5253210C7}"/>
+              </a:ext>
+            </a:extLst>
+          </p:cNvPr>
+          <p:cNvSpPr>
+            <a:spLocks noGrp="1"/>
+          </p:cNvSpPr>
+          <p:nvPr>
+            <p:ph type="title"/>
+          </p:nvPr>
+        </p:nvSpPr>
+        <p:spPr/>
+        <p:txBody>
+          <a:bodyPr/>
+          <a:lstStyle/>
+          <a:p>
+            <a:r>
+              <a:rPr lang="en-GB" dirty="0"/>
+              <a:t>Flagging iii)</a:t>
+            </a:r>
+            <a:br>
+              <a:rPr lang="en-GB" dirty="0"/>
+            </a:br>
+            <a:r>
+              <a:rPr lang="en-GB" sz="2400" dirty="0"/>
+              <a:t>-Automating the detection of ‘too contaminated’ observations?</a:t>
+            </a:r>
+          </a:p>
+        </p:txBody>
+      </p:sp>
+      <p:sp>
+        <p:nvSpPr>
+          <p:cNvPr id="18" name="Content Placeholder 2">
+            <a:extLst>
+              <a:ext uri="{FF2B5EF4-FFF2-40B4-BE49-F238E27FC236}">
+                <a16:creationId xmlns:a16="http://schemas.microsoft.com/office/drawing/2014/main" id="{6BDA89BD-18CE-4323-B706-1D650580409C}"/>
+              </a:ext>
+            </a:extLst>
+          </p:cNvPr>
+          <p:cNvSpPr>
+            <a:spLocks noGrp="1"/>
+          </p:cNvSpPr>
+          <p:nvPr>
+            <p:ph idx="1"/>
+          </p:nvPr>
+        </p:nvSpPr>
+        <p:spPr>
+          <a:xfrm>
+            <a:off x="838200" y="2003494"/>
+            <a:ext cx="5545336" cy="3517500"/>
+          </a:xfrm>
+        </p:spPr>
+        <p:txBody>
+          <a:bodyPr>
+            <a:normAutofit/>
+          </a:bodyPr>
+          <a:lstStyle/>
+          <a:p>
+            <a:r>
+              <a:rPr lang="en-GB" dirty="0"/>
+              <a:t>The </a:t>
+            </a:r>
+            <a:r>
+              <a:rPr lang="en-GB" dirty="0" err="1"/>
+              <a:t>Kullback-Leibler</a:t>
+            </a:r>
+            <a:r>
+              <a:rPr lang="en-GB" dirty="0"/>
+              <a:t> divergence.</a:t>
+            </a:r>
+          </a:p>
+          <a:p>
+            <a:r>
+              <a:rPr lang="en-GB" dirty="0"/>
+              <a:t>Quantifies information provided by our data.</a:t>
+            </a:r>
+          </a:p>
+          <a:p>
+            <a:r>
+              <a:rPr lang="en-GB" dirty="0"/>
+              <a:t>Useful for:</a:t>
+            </a:r>
+          </a:p>
+          <a:p>
+            <a:pPr lvl="1"/>
+            <a:r>
+              <a:rPr lang="en-GB" dirty="0"/>
+              <a:t>Identifying time bins containing broadband RFI.</a:t>
+            </a:r>
+          </a:p>
+          <a:p>
+            <a:pPr lvl="1"/>
+            <a:r>
+              <a:rPr lang="en-GB" dirty="0"/>
+              <a:t>Unflagged narrowband RFI.</a:t>
+            </a:r>
+          </a:p>
+          <a:p>
+            <a:endParaRPr lang="en-GB" dirty="0"/>
+          </a:p>
+        </p:txBody>
+      </p:sp>
+      <p:pic>
+        <p:nvPicPr>
+          <p:cNvPr id="3" name="Picture 2">
+            <a:extLst>
+              <a:ext uri="{FF2B5EF4-FFF2-40B4-BE49-F238E27FC236}">
+                <a16:creationId xmlns:a16="http://schemas.microsoft.com/office/drawing/2014/main" id="{5785C8CB-D708-4ADC-B9B9-64B304C28F89}"/>
+              </a:ext>
+            </a:extLst>
+          </p:cNvPr>
+          <p:cNvPicPr>
+            <a:picLocks noChangeAspect="1"/>
+          </p:cNvPicPr>
+          <p:nvPr/>
+        </p:nvPicPr>
+        <p:blipFill>
+          <a:blip r:embed="rId3"/>
+          <a:stretch>
+            <a:fillRect/>
+          </a:stretch>
+        </p:blipFill>
+        <p:spPr>
+          <a:xfrm>
+            <a:off x="6383536" y="1849513"/>
+            <a:ext cx="4698520" cy="3523890"/>
+          </a:xfrm>
+          <a:prstGeom prst="rect">
+            <a:avLst/>
+          </a:prstGeom>
+        </p:spPr>
+      </p:pic>
+    </p:spTree>
+    <p:extLst>
+      <p:ext uri="{BB962C8B-B14F-4D97-AF65-F5344CB8AC3E}">
+        <p14:creationId xmlns:p14="http://schemas.microsoft.com/office/powerpoint/2010/main" val="2494097862"/>
+      </p:ext>
+    </p:extLst>
+  </p:cSld>
+  <p:clrMapOvr>
+    <a:masterClrMapping/>
+  </p:clrMapOvr>
+</p:sld>
+</file>
+
+<file path=ppt/slides/slide15.xml><?xml version="1.0" encoding="utf-8"?>
+<p:sld xmlns:a="http://schemas.openxmlformats.org/drawingml/2006/main" xmlns:r="http://schemas.openxmlformats.org/officeDocument/2006/relationships" xmlns:p="http://schemas.openxmlformats.org/presentationml/2006/main">
+  <p:cSld>
+    <p:spTree>
+      <p:nvGrpSpPr>
+        <p:cNvPr id="1" name=""/>
+        <p:cNvGrpSpPr/>
+        <p:nvPr/>
+      </p:nvGrpSpPr>
+      <p:grpSpPr>
+        <a:xfrm>
+          <a:off x="0" y="0"/>
+          <a:ext cx="0" cy="0"/>
+          <a:chOff x="0" y="0"/>
+          <a:chExt cx="0" cy="0"/>
+        </a:xfrm>
+      </p:grpSpPr>
+      <p:pic>
+        <p:nvPicPr>
+          <p:cNvPr id="6" name="Picture 5" descr="Logo&#10;&#10;Description automatically generated">
+            <a:extLst>
+              <a:ext uri="{FF2B5EF4-FFF2-40B4-BE49-F238E27FC236}">
+                <a16:creationId xmlns:a16="http://schemas.microsoft.com/office/drawing/2014/main" id="{967220C6-22C7-4076-870C-3E07B2666F5A}"/>
+              </a:ext>
+            </a:extLst>
+          </p:cNvPr>
+          <p:cNvPicPr>
+            <a:picLocks noChangeAspect="1"/>
+          </p:cNvPicPr>
+          <p:nvPr/>
+        </p:nvPicPr>
+        <p:blipFill>
+          <a:blip r:embed="rId2"/>
+          <a:stretch>
+            <a:fillRect/>
+          </a:stretch>
+        </p:blipFill>
+        <p:spPr>
+          <a:xfrm>
+            <a:off x="9972113" y="-485870"/>
+            <a:ext cx="2219887" cy="2219887"/>
+          </a:xfrm>
+          <a:prstGeom prst="rect">
+            <a:avLst/>
+          </a:prstGeom>
+        </p:spPr>
+      </p:pic>
+      <p:sp>
+        <p:nvSpPr>
+          <p:cNvPr id="8" name="Rectangle 7">
+            <a:extLst>
+              <a:ext uri="{FF2B5EF4-FFF2-40B4-BE49-F238E27FC236}">
+                <a16:creationId xmlns:a16="http://schemas.microsoft.com/office/drawing/2014/main" id="{BFDD1C8A-D09F-47B1-BF02-2682F682C3A8}"/>
+              </a:ext>
+            </a:extLst>
+          </p:cNvPr>
+          <p:cNvSpPr/>
+          <p:nvPr/>
+        </p:nvSpPr>
+        <p:spPr>
+          <a:xfrm>
+            <a:off x="0" y="6723528"/>
+            <a:ext cx="12192000" cy="134471"/>
+          </a:xfrm>
+          <a:prstGeom prst="rect">
+            <a:avLst/>
+          </a:prstGeom>
+          <a:solidFill>
+            <a:schemeClr val="accent2"/>
+          </a:solidFill>
+        </p:spPr>
+        <p:style>
+          <a:lnRef idx="2">
+            <a:schemeClr val="accent2">
+              <a:shade val="50000"/>
+            </a:schemeClr>
+          </a:lnRef>
+          <a:fillRef idx="1">
+            <a:schemeClr val="accent2"/>
+          </a:fillRef>
+          <a:effectRef idx="0">
+            <a:schemeClr val="accent2"/>
+          </a:effectRef>
+          <a:fontRef idx="minor">
+            <a:schemeClr val="lt1"/>
+          </a:fontRef>
+        </p:style>
+        <p:txBody>
+          <a:bodyPr rtlCol="0" anchor="ctr"/>
+          <a:lstStyle/>
+          <a:p>
+            <a:pPr algn="ctr"/>
+            <a:endParaRPr lang="en-GB"/>
+          </a:p>
+        </p:txBody>
+      </p:sp>
+      <p:sp>
+        <p:nvSpPr>
+          <p:cNvPr id="10" name="Rectangle 9">
+            <a:extLst>
+              <a:ext uri="{FF2B5EF4-FFF2-40B4-BE49-F238E27FC236}">
+                <a16:creationId xmlns:a16="http://schemas.microsoft.com/office/drawing/2014/main" id="{192E015D-6BEF-43F9-9E52-3BC4DA3235B2}"/>
+              </a:ext>
+            </a:extLst>
+          </p:cNvPr>
+          <p:cNvSpPr/>
+          <p:nvPr/>
+        </p:nvSpPr>
+        <p:spPr>
+          <a:xfrm>
+            <a:off x="0" y="0"/>
+            <a:ext cx="12192000" cy="134471"/>
+          </a:xfrm>
+          <a:prstGeom prst="rect">
+            <a:avLst/>
+          </a:prstGeom>
+          <a:solidFill>
+            <a:schemeClr val="accent2"/>
+          </a:solidFill>
+        </p:spPr>
+        <p:style>
+          <a:lnRef idx="2">
+            <a:schemeClr val="accent2">
+              <a:shade val="50000"/>
+            </a:schemeClr>
+          </a:lnRef>
+          <a:fillRef idx="1">
+            <a:schemeClr val="accent2"/>
+          </a:fillRef>
+          <a:effectRef idx="0">
+            <a:schemeClr val="accent2"/>
+          </a:effectRef>
+          <a:fontRef idx="minor">
+            <a:schemeClr val="lt1"/>
+          </a:fontRef>
+        </p:style>
+        <p:txBody>
+          <a:bodyPr rtlCol="0" anchor="ctr"/>
+          <a:lstStyle/>
+          <a:p>
+            <a:pPr algn="ctr"/>
+            <a:endParaRPr lang="en-GB"/>
+          </a:p>
+        </p:txBody>
+      </p:sp>
+      <p:sp>
+        <p:nvSpPr>
+          <p:cNvPr id="7" name="Title 6">
+            <a:extLst>
+              <a:ext uri="{FF2B5EF4-FFF2-40B4-BE49-F238E27FC236}">
+                <a16:creationId xmlns:a16="http://schemas.microsoft.com/office/drawing/2014/main" id="{58D177C2-A994-4024-8EF7-8BA5253210C7}"/>
+              </a:ext>
+            </a:extLst>
+          </p:cNvPr>
+          <p:cNvSpPr>
+            <a:spLocks noGrp="1"/>
+          </p:cNvSpPr>
+          <p:nvPr>
+            <p:ph type="title"/>
+          </p:nvPr>
+        </p:nvSpPr>
+        <p:spPr/>
+        <p:txBody>
+          <a:bodyPr/>
+          <a:lstStyle/>
+          <a:p>
+            <a:r>
+              <a:rPr lang="en-GB" dirty="0"/>
+              <a:t>Next Steps?</a:t>
+            </a:r>
+            <a:endParaRPr lang="en-GB" sz="2400" dirty="0"/>
+          </a:p>
+        </p:txBody>
+      </p:sp>
+      <p:sp>
+        <p:nvSpPr>
+          <p:cNvPr id="18" name="Content Placeholder 2">
+            <a:extLst>
+              <a:ext uri="{FF2B5EF4-FFF2-40B4-BE49-F238E27FC236}">
+                <a16:creationId xmlns:a16="http://schemas.microsoft.com/office/drawing/2014/main" id="{6BDA89BD-18CE-4323-B706-1D650580409C}"/>
+              </a:ext>
+            </a:extLst>
+          </p:cNvPr>
+          <p:cNvSpPr>
+            <a:spLocks noGrp="1"/>
+          </p:cNvSpPr>
+          <p:nvPr>
+            <p:ph idx="1"/>
+          </p:nvPr>
+        </p:nvSpPr>
+        <p:spPr>
+          <a:xfrm>
+            <a:off x="838199" y="1649811"/>
+            <a:ext cx="9737785" cy="3896974"/>
+          </a:xfrm>
+        </p:spPr>
+        <p:txBody>
+          <a:bodyPr>
+            <a:normAutofit/>
+          </a:bodyPr>
+          <a:lstStyle/>
+          <a:p>
+            <a:r>
+              <a:rPr lang="en-GB" dirty="0"/>
+              <a:t>Is short time narrowband RFI less of a problem when time integrating?</a:t>
+            </a:r>
+          </a:p>
+          <a:p>
+            <a:r>
+              <a:rPr lang="en-GB" dirty="0"/>
+              <a:t>Experiment with various existing flagging models.</a:t>
+            </a:r>
+          </a:p>
+          <a:p>
+            <a:r>
+              <a:rPr lang="en-GB" dirty="0"/>
+              <a:t>Recent papers use CNN’s to flag RFI [x][x].</a:t>
+            </a:r>
+          </a:p>
+          <a:p>
+            <a:r>
+              <a:rPr lang="en-GB" dirty="0"/>
+              <a:t>Unsupervised learning?</a:t>
+            </a:r>
+          </a:p>
+          <a:p>
+            <a:endParaRPr lang="en-GB" dirty="0"/>
+          </a:p>
+          <a:p>
+            <a:endParaRPr lang="en-GB" dirty="0"/>
+          </a:p>
+          <a:p>
+            <a:endParaRPr lang="en-GB" dirty="0"/>
+          </a:p>
+        </p:txBody>
+      </p:sp>
+    </p:spTree>
+    <p:extLst>
+      <p:ext uri="{BB962C8B-B14F-4D97-AF65-F5344CB8AC3E}">
+        <p14:creationId xmlns:p14="http://schemas.microsoft.com/office/powerpoint/2010/main" val="330829587"/>
+      </p:ext>
+    </p:extLst>
+  </p:cSld>
+  <p:clrMapOvr>
+    <a:masterClrMapping/>
+  </p:clrMapOvr>
+</p:sld>
+</file>
+
+<file path=ppt/slides/slide16.xml><?xml version="1.0" encoding="utf-8"?>
+<p:sld xmlns:a="http://schemas.openxmlformats.org/drawingml/2006/main" xmlns:r="http://schemas.openxmlformats.org/officeDocument/2006/relationships" xmlns:p="http://schemas.openxmlformats.org/presentationml/2006/main">
+  <p:cSld>
+    <p:spTree>
+      <p:nvGrpSpPr>
+        <p:cNvPr id="1" name=""/>
+        <p:cNvGrpSpPr/>
+        <p:nvPr/>
+      </p:nvGrpSpPr>
+      <p:grpSpPr>
+        <a:xfrm>
+          <a:off x="0" y="0"/>
+          <a:ext cx="0" cy="0"/>
+          <a:chOff x="0" y="0"/>
+          <a:chExt cx="0" cy="0"/>
+        </a:xfrm>
+      </p:grpSpPr>
+      <p:pic>
+        <p:nvPicPr>
+          <p:cNvPr id="6" name="Picture 5" descr="Logo&#10;&#10;Description automatically generated">
+            <a:extLst>
+              <a:ext uri="{FF2B5EF4-FFF2-40B4-BE49-F238E27FC236}">
+                <a16:creationId xmlns:a16="http://schemas.microsoft.com/office/drawing/2014/main" id="{967220C6-22C7-4076-870C-3E07B2666F5A}"/>
+              </a:ext>
+            </a:extLst>
+          </p:cNvPr>
+          <p:cNvPicPr>
+            <a:picLocks noChangeAspect="1"/>
+          </p:cNvPicPr>
+          <p:nvPr/>
+        </p:nvPicPr>
+        <p:blipFill>
+          <a:blip r:embed="rId2"/>
+          <a:stretch>
+            <a:fillRect/>
+          </a:stretch>
+        </p:blipFill>
+        <p:spPr>
+          <a:xfrm>
+            <a:off x="9972113" y="-485870"/>
+            <a:ext cx="2219887" cy="2219887"/>
+          </a:xfrm>
+          <a:prstGeom prst="rect">
+            <a:avLst/>
+          </a:prstGeom>
+        </p:spPr>
+      </p:pic>
+      <p:sp>
+        <p:nvSpPr>
+          <p:cNvPr id="8" name="Rectangle 7">
+            <a:extLst>
+              <a:ext uri="{FF2B5EF4-FFF2-40B4-BE49-F238E27FC236}">
+                <a16:creationId xmlns:a16="http://schemas.microsoft.com/office/drawing/2014/main" id="{BFDD1C8A-D09F-47B1-BF02-2682F682C3A8}"/>
+              </a:ext>
+            </a:extLst>
+          </p:cNvPr>
+          <p:cNvSpPr/>
+          <p:nvPr/>
+        </p:nvSpPr>
+        <p:spPr>
+          <a:xfrm>
+            <a:off x="0" y="6723528"/>
+            <a:ext cx="12192000" cy="134471"/>
+          </a:xfrm>
+          <a:prstGeom prst="rect">
+            <a:avLst/>
+          </a:prstGeom>
+          <a:solidFill>
+            <a:schemeClr val="accent2"/>
+          </a:solidFill>
+        </p:spPr>
+        <p:style>
+          <a:lnRef idx="2">
+            <a:schemeClr val="accent2">
+              <a:shade val="50000"/>
+            </a:schemeClr>
+          </a:lnRef>
+          <a:fillRef idx="1">
+            <a:schemeClr val="accent2"/>
+          </a:fillRef>
+          <a:effectRef idx="0">
+            <a:schemeClr val="accent2"/>
+          </a:effectRef>
+          <a:fontRef idx="minor">
+            <a:schemeClr val="lt1"/>
+          </a:fontRef>
+        </p:style>
+        <p:txBody>
+          <a:bodyPr rtlCol="0" anchor="ctr"/>
+          <a:lstStyle/>
+          <a:p>
+            <a:pPr algn="ctr"/>
+            <a:endParaRPr lang="en-GB"/>
+          </a:p>
+        </p:txBody>
+      </p:sp>
+      <p:sp>
+        <p:nvSpPr>
+          <p:cNvPr id="10" name="Rectangle 9">
+            <a:extLst>
+              <a:ext uri="{FF2B5EF4-FFF2-40B4-BE49-F238E27FC236}">
+                <a16:creationId xmlns:a16="http://schemas.microsoft.com/office/drawing/2014/main" id="{192E015D-6BEF-43F9-9E52-3BC4DA3235B2}"/>
+              </a:ext>
+            </a:extLst>
+          </p:cNvPr>
+          <p:cNvSpPr/>
+          <p:nvPr/>
+        </p:nvSpPr>
+        <p:spPr>
+          <a:xfrm>
+            <a:off x="0" y="0"/>
+            <a:ext cx="12192000" cy="134471"/>
+          </a:xfrm>
+          <a:prstGeom prst="rect">
+            <a:avLst/>
+          </a:prstGeom>
+          <a:solidFill>
+            <a:schemeClr val="accent2"/>
+          </a:solidFill>
+        </p:spPr>
+        <p:style>
+          <a:lnRef idx="2">
+            <a:schemeClr val="accent2">
+              <a:shade val="50000"/>
+            </a:schemeClr>
+          </a:lnRef>
+          <a:fillRef idx="1">
+            <a:schemeClr val="accent2"/>
+          </a:fillRef>
+          <a:effectRef idx="0">
+            <a:schemeClr val="accent2"/>
+          </a:effectRef>
+          <a:fontRef idx="minor">
+            <a:schemeClr val="lt1"/>
+          </a:fontRef>
+        </p:style>
+        <p:txBody>
+          <a:bodyPr rtlCol="0" anchor="ctr"/>
+          <a:lstStyle/>
+          <a:p>
+            <a:pPr algn="ctr"/>
+            <a:endParaRPr lang="en-GB"/>
+          </a:p>
+        </p:txBody>
+      </p:sp>
+      <p:sp>
+        <p:nvSpPr>
+          <p:cNvPr id="7" name="Title 6">
+            <a:extLst>
+              <a:ext uri="{FF2B5EF4-FFF2-40B4-BE49-F238E27FC236}">
+                <a16:creationId xmlns:a16="http://schemas.microsoft.com/office/drawing/2014/main" id="{58D177C2-A994-4024-8EF7-8BA5253210C7}"/>
+              </a:ext>
+            </a:extLst>
+          </p:cNvPr>
+          <p:cNvSpPr>
+            <a:spLocks noGrp="1"/>
+          </p:cNvSpPr>
+          <p:nvPr>
+            <p:ph type="title"/>
+          </p:nvPr>
+        </p:nvSpPr>
+        <p:spPr/>
+        <p:txBody>
+          <a:bodyPr/>
+          <a:lstStyle/>
+          <a:p>
+            <a:r>
+              <a:rPr lang="en-GB" dirty="0"/>
+              <a:t>Summary</a:t>
+            </a:r>
+            <a:endParaRPr lang="en-GB" sz="2400" dirty="0"/>
+          </a:p>
+        </p:txBody>
+      </p:sp>
+      <p:sp>
+        <p:nvSpPr>
+          <p:cNvPr id="18" name="Content Placeholder 2">
+            <a:extLst>
+              <a:ext uri="{FF2B5EF4-FFF2-40B4-BE49-F238E27FC236}">
+                <a16:creationId xmlns:a16="http://schemas.microsoft.com/office/drawing/2014/main" id="{6BDA89BD-18CE-4323-B706-1D650580409C}"/>
+              </a:ext>
+            </a:extLst>
+          </p:cNvPr>
+          <p:cNvSpPr>
+            <a:spLocks noGrp="1"/>
+          </p:cNvSpPr>
+          <p:nvPr>
+            <p:ph idx="1"/>
+          </p:nvPr>
+        </p:nvSpPr>
+        <p:spPr>
+          <a:xfrm>
+            <a:off x="838199" y="1649811"/>
+            <a:ext cx="9737785" cy="3896974"/>
+          </a:xfrm>
+        </p:spPr>
+        <p:txBody>
+          <a:bodyPr>
+            <a:normAutofit/>
+          </a:bodyPr>
+          <a:lstStyle/>
+          <a:p>
+            <a:r>
+              <a:rPr lang="en-GB" dirty="0"/>
+              <a:t>Pipeline very effective at managing flagged RFI.</a:t>
+            </a:r>
+          </a:p>
+          <a:p>
+            <a:r>
+              <a:rPr lang="en-GB" dirty="0"/>
+              <a:t>If RFI properly flagged, should be able to handle estimated levels on site.</a:t>
+            </a:r>
+          </a:p>
+          <a:p>
+            <a:r>
+              <a:rPr lang="en-GB" dirty="0"/>
+              <a:t>Unflagged RFI may cause problems.</a:t>
+            </a:r>
+          </a:p>
+          <a:p>
+            <a:r>
+              <a:rPr lang="en-GB" dirty="0"/>
+              <a:t>The pipelines efficacy will come down to our ability to effectively flag the RFI.</a:t>
+            </a:r>
+          </a:p>
+          <a:p>
+            <a:endParaRPr lang="en-GB" dirty="0"/>
+          </a:p>
+          <a:p>
+            <a:endParaRPr lang="en-GB" dirty="0"/>
+          </a:p>
+          <a:p>
+            <a:endParaRPr lang="en-GB" dirty="0"/>
+          </a:p>
+        </p:txBody>
+      </p:sp>
+    </p:spTree>
+    <p:extLst>
+      <p:ext uri="{BB962C8B-B14F-4D97-AF65-F5344CB8AC3E}">
+        <p14:creationId xmlns:p14="http://schemas.microsoft.com/office/powerpoint/2010/main" val="2621925235"/>
+      </p:ext>
+    </p:extLst>
+  </p:cSld>
+  <p:clrMapOvr>
+    <a:masterClrMapping/>
+  </p:clrMapOvr>
+</p:sld>
+</file>
+
+<file path=ppt/slides/slide17.xml><?xml version="1.0" encoding="utf-8"?>
 <p:sld xmlns:a="http://schemas.openxmlformats.org/drawingml/2006/main" xmlns:r="http://schemas.openxmlformats.org/officeDocument/2006/relationships" xmlns:p="http://schemas.openxmlformats.org/presentationml/2006/main">
   <p:cSld>
     <p:bg>
@@ -4419,7 +6477,7 @@
 </p:sld>
 </file>
 
-<file path=ppt/slides/slide4.xml><?xml version="1.0" encoding="utf-8"?>
+<file path=ppt/slides/slide18.xml><?xml version="1.0" encoding="utf-8"?>
 <p:sld xmlns:a="http://schemas.openxmlformats.org/drawingml/2006/main" xmlns:r="http://schemas.openxmlformats.org/officeDocument/2006/relationships" xmlns:p="http://schemas.openxmlformats.org/presentationml/2006/main">
   <p:cSld>
     <p:bg>
@@ -4777,6 +6835,2167 @@
     <p:extLst>
       <p:ext uri="{BB962C8B-B14F-4D97-AF65-F5344CB8AC3E}">
         <p14:creationId xmlns:p14="http://schemas.microsoft.com/office/powerpoint/2010/main" val="685182741"/>
+      </p:ext>
+    </p:extLst>
+  </p:cSld>
+  <p:clrMapOvr>
+    <a:masterClrMapping/>
+  </p:clrMapOvr>
+</p:sld>
+</file>
+
+<file path=ppt/slides/slide2.xml><?xml version="1.0" encoding="utf-8"?>
+<p:sld xmlns:a="http://schemas.openxmlformats.org/drawingml/2006/main" xmlns:r="http://schemas.openxmlformats.org/officeDocument/2006/relationships" xmlns:p="http://schemas.openxmlformats.org/presentationml/2006/main">
+  <p:cSld>
+    <p:spTree>
+      <p:nvGrpSpPr>
+        <p:cNvPr id="1" name=""/>
+        <p:cNvGrpSpPr/>
+        <p:nvPr/>
+      </p:nvGrpSpPr>
+      <p:grpSpPr>
+        <a:xfrm>
+          <a:off x="0" y="0"/>
+          <a:ext cx="0" cy="0"/>
+          <a:chOff x="0" y="0"/>
+          <a:chExt cx="0" cy="0"/>
+        </a:xfrm>
+      </p:grpSpPr>
+      <p:pic>
+        <p:nvPicPr>
+          <p:cNvPr id="6" name="Picture 5" descr="Logo&#10;&#10;Description automatically generated">
+            <a:extLst>
+              <a:ext uri="{FF2B5EF4-FFF2-40B4-BE49-F238E27FC236}">
+                <a16:creationId xmlns:a16="http://schemas.microsoft.com/office/drawing/2014/main" id="{967220C6-22C7-4076-870C-3E07B2666F5A}"/>
+              </a:ext>
+            </a:extLst>
+          </p:cNvPr>
+          <p:cNvPicPr>
+            <a:picLocks noChangeAspect="1"/>
+          </p:cNvPicPr>
+          <p:nvPr/>
+        </p:nvPicPr>
+        <p:blipFill>
+          <a:blip r:embed="rId2"/>
+          <a:stretch>
+            <a:fillRect/>
+          </a:stretch>
+        </p:blipFill>
+        <p:spPr>
+          <a:xfrm>
+            <a:off x="9972113" y="-485870"/>
+            <a:ext cx="2219887" cy="2219887"/>
+          </a:xfrm>
+          <a:prstGeom prst="rect">
+            <a:avLst/>
+          </a:prstGeom>
+        </p:spPr>
+      </p:pic>
+      <p:sp>
+        <p:nvSpPr>
+          <p:cNvPr id="8" name="Rectangle 7">
+            <a:extLst>
+              <a:ext uri="{FF2B5EF4-FFF2-40B4-BE49-F238E27FC236}">
+                <a16:creationId xmlns:a16="http://schemas.microsoft.com/office/drawing/2014/main" id="{BFDD1C8A-D09F-47B1-BF02-2682F682C3A8}"/>
+              </a:ext>
+            </a:extLst>
+          </p:cNvPr>
+          <p:cNvSpPr/>
+          <p:nvPr/>
+        </p:nvSpPr>
+        <p:spPr>
+          <a:xfrm>
+            <a:off x="0" y="6723528"/>
+            <a:ext cx="12192000" cy="134471"/>
+          </a:xfrm>
+          <a:prstGeom prst="rect">
+            <a:avLst/>
+          </a:prstGeom>
+          <a:solidFill>
+            <a:schemeClr val="accent2"/>
+          </a:solidFill>
+        </p:spPr>
+        <p:style>
+          <a:lnRef idx="2">
+            <a:schemeClr val="accent2">
+              <a:shade val="50000"/>
+            </a:schemeClr>
+          </a:lnRef>
+          <a:fillRef idx="1">
+            <a:schemeClr val="accent2"/>
+          </a:fillRef>
+          <a:effectRef idx="0">
+            <a:schemeClr val="accent2"/>
+          </a:effectRef>
+          <a:fontRef idx="minor">
+            <a:schemeClr val="lt1"/>
+          </a:fontRef>
+        </p:style>
+        <p:txBody>
+          <a:bodyPr rtlCol="0" anchor="ctr"/>
+          <a:lstStyle/>
+          <a:p>
+            <a:pPr algn="ctr"/>
+            <a:endParaRPr lang="en-GB"/>
+          </a:p>
+        </p:txBody>
+      </p:sp>
+      <p:sp>
+        <p:nvSpPr>
+          <p:cNvPr id="10" name="Rectangle 9">
+            <a:extLst>
+              <a:ext uri="{FF2B5EF4-FFF2-40B4-BE49-F238E27FC236}">
+                <a16:creationId xmlns:a16="http://schemas.microsoft.com/office/drawing/2014/main" id="{192E015D-6BEF-43F9-9E52-3BC4DA3235B2}"/>
+              </a:ext>
+            </a:extLst>
+          </p:cNvPr>
+          <p:cNvSpPr/>
+          <p:nvPr/>
+        </p:nvSpPr>
+        <p:spPr>
+          <a:xfrm>
+            <a:off x="0" y="0"/>
+            <a:ext cx="12192000" cy="134471"/>
+          </a:xfrm>
+          <a:prstGeom prst="rect">
+            <a:avLst/>
+          </a:prstGeom>
+          <a:solidFill>
+            <a:schemeClr val="accent2"/>
+          </a:solidFill>
+        </p:spPr>
+        <p:style>
+          <a:lnRef idx="2">
+            <a:schemeClr val="accent2">
+              <a:shade val="50000"/>
+            </a:schemeClr>
+          </a:lnRef>
+          <a:fillRef idx="1">
+            <a:schemeClr val="accent2"/>
+          </a:fillRef>
+          <a:effectRef idx="0">
+            <a:schemeClr val="accent2"/>
+          </a:effectRef>
+          <a:fontRef idx="minor">
+            <a:schemeClr val="lt1"/>
+          </a:fontRef>
+        </p:style>
+        <p:txBody>
+          <a:bodyPr rtlCol="0" anchor="ctr"/>
+          <a:lstStyle/>
+          <a:p>
+            <a:pPr algn="ctr"/>
+            <a:endParaRPr lang="en-GB"/>
+          </a:p>
+        </p:txBody>
+      </p:sp>
+      <p:sp>
+        <p:nvSpPr>
+          <p:cNvPr id="7" name="Title 6">
+            <a:extLst>
+              <a:ext uri="{FF2B5EF4-FFF2-40B4-BE49-F238E27FC236}">
+                <a16:creationId xmlns:a16="http://schemas.microsoft.com/office/drawing/2014/main" id="{58D177C2-A994-4024-8EF7-8BA5253210C7}"/>
+              </a:ext>
+            </a:extLst>
+          </p:cNvPr>
+          <p:cNvSpPr>
+            <a:spLocks noGrp="1"/>
+          </p:cNvSpPr>
+          <p:nvPr>
+            <p:ph type="title"/>
+          </p:nvPr>
+        </p:nvSpPr>
+        <p:spPr/>
+        <p:txBody>
+          <a:bodyPr/>
+          <a:lstStyle/>
+          <a:p>
+            <a:r>
+              <a:rPr lang="en-GB" dirty="0"/>
+              <a:t>The Problem</a:t>
+            </a:r>
+          </a:p>
+        </p:txBody>
+      </p:sp>
+      <p:sp>
+        <p:nvSpPr>
+          <p:cNvPr id="15" name="Content Placeholder 14">
+            <a:extLst>
+              <a:ext uri="{FF2B5EF4-FFF2-40B4-BE49-F238E27FC236}">
+                <a16:creationId xmlns:a16="http://schemas.microsoft.com/office/drawing/2014/main" id="{65DE6343-DE79-4EBA-80E9-0E8498D31B9F}"/>
+              </a:ext>
+            </a:extLst>
+          </p:cNvPr>
+          <p:cNvSpPr>
+            <a:spLocks noGrp="1"/>
+          </p:cNvSpPr>
+          <p:nvPr>
+            <p:ph idx="1"/>
+          </p:nvPr>
+        </p:nvSpPr>
+        <p:spPr>
+          <a:xfrm>
+            <a:off x="838200" y="1825625"/>
+            <a:ext cx="5528094" cy="4351338"/>
+          </a:xfrm>
+        </p:spPr>
+        <p:txBody>
+          <a:bodyPr/>
+          <a:lstStyle/>
+          <a:p>
+            <a:r>
+              <a:rPr lang="en-GB" dirty="0"/>
+              <a:t>RFI x orders of mag stronger than 21cm signal.</a:t>
+            </a:r>
+          </a:p>
+          <a:p>
+            <a:r>
+              <a:rPr lang="en-GB" dirty="0"/>
+              <a:t>21cm signal obstructed by wide and short band RFI.</a:t>
+            </a:r>
+          </a:p>
+          <a:p>
+            <a:r>
+              <a:rPr lang="en-GB" dirty="0"/>
+              <a:t>Single frequency and emergency mobile signals particularly worrying.</a:t>
+            </a:r>
+          </a:p>
+          <a:p>
+            <a:endParaRPr lang="en-GB" dirty="0"/>
+          </a:p>
+          <a:p>
+            <a:endParaRPr lang="en-GB" dirty="0"/>
+          </a:p>
+          <a:p>
+            <a:endParaRPr lang="en-GB" dirty="0"/>
+          </a:p>
+          <a:p>
+            <a:endParaRPr lang="en-GB" dirty="0"/>
+          </a:p>
+        </p:txBody>
+      </p:sp>
+      <p:pic>
+        <p:nvPicPr>
+          <p:cNvPr id="17" name="Picture 16">
+            <a:extLst>
+              <a:ext uri="{FF2B5EF4-FFF2-40B4-BE49-F238E27FC236}">
+                <a16:creationId xmlns:a16="http://schemas.microsoft.com/office/drawing/2014/main" id="{32A3A096-A0B4-4614-8DA6-E2045EE4230A}"/>
+              </a:ext>
+            </a:extLst>
+          </p:cNvPr>
+          <p:cNvPicPr>
+            <a:picLocks noChangeAspect="1"/>
+          </p:cNvPicPr>
+          <p:nvPr/>
+        </p:nvPicPr>
+        <p:blipFill>
+          <a:blip r:embed="rId3"/>
+          <a:stretch>
+            <a:fillRect/>
+          </a:stretch>
+        </p:blipFill>
+        <p:spPr>
+          <a:xfrm>
+            <a:off x="6866796" y="2280582"/>
+            <a:ext cx="4215260" cy="2886729"/>
+          </a:xfrm>
+          <a:prstGeom prst="rect">
+            <a:avLst/>
+          </a:prstGeom>
+        </p:spPr>
+      </p:pic>
+    </p:spTree>
+    <p:extLst>
+      <p:ext uri="{BB962C8B-B14F-4D97-AF65-F5344CB8AC3E}">
+        <p14:creationId xmlns:p14="http://schemas.microsoft.com/office/powerpoint/2010/main" val="2030897784"/>
+      </p:ext>
+    </p:extLst>
+  </p:cSld>
+  <p:clrMapOvr>
+    <a:masterClrMapping/>
+  </p:clrMapOvr>
+</p:sld>
+</file>
+
+<file path=ppt/slides/slide3.xml><?xml version="1.0" encoding="utf-8"?>
+<p:sld xmlns:a="http://schemas.openxmlformats.org/drawingml/2006/main" xmlns:r="http://schemas.openxmlformats.org/officeDocument/2006/relationships" xmlns:p="http://schemas.openxmlformats.org/presentationml/2006/main">
+  <p:cSld>
+    <p:spTree>
+      <p:nvGrpSpPr>
+        <p:cNvPr id="1" name=""/>
+        <p:cNvGrpSpPr/>
+        <p:nvPr/>
+      </p:nvGrpSpPr>
+      <p:grpSpPr>
+        <a:xfrm>
+          <a:off x="0" y="0"/>
+          <a:ext cx="0" cy="0"/>
+          <a:chOff x="0" y="0"/>
+          <a:chExt cx="0" cy="0"/>
+        </a:xfrm>
+      </p:grpSpPr>
+      <p:pic>
+        <p:nvPicPr>
+          <p:cNvPr id="6" name="Picture 5" descr="Logo&#10;&#10;Description automatically generated">
+            <a:extLst>
+              <a:ext uri="{FF2B5EF4-FFF2-40B4-BE49-F238E27FC236}">
+                <a16:creationId xmlns:a16="http://schemas.microsoft.com/office/drawing/2014/main" id="{967220C6-22C7-4076-870C-3E07B2666F5A}"/>
+              </a:ext>
+            </a:extLst>
+          </p:cNvPr>
+          <p:cNvPicPr>
+            <a:picLocks noChangeAspect="1"/>
+          </p:cNvPicPr>
+          <p:nvPr/>
+        </p:nvPicPr>
+        <p:blipFill>
+          <a:blip r:embed="rId2"/>
+          <a:stretch>
+            <a:fillRect/>
+          </a:stretch>
+        </p:blipFill>
+        <p:spPr>
+          <a:xfrm>
+            <a:off x="9972113" y="-485870"/>
+            <a:ext cx="2219887" cy="2219887"/>
+          </a:xfrm>
+          <a:prstGeom prst="rect">
+            <a:avLst/>
+          </a:prstGeom>
+        </p:spPr>
+      </p:pic>
+      <p:sp>
+        <p:nvSpPr>
+          <p:cNvPr id="8" name="Rectangle 7">
+            <a:extLst>
+              <a:ext uri="{FF2B5EF4-FFF2-40B4-BE49-F238E27FC236}">
+                <a16:creationId xmlns:a16="http://schemas.microsoft.com/office/drawing/2014/main" id="{BFDD1C8A-D09F-47B1-BF02-2682F682C3A8}"/>
+              </a:ext>
+            </a:extLst>
+          </p:cNvPr>
+          <p:cNvSpPr/>
+          <p:nvPr/>
+        </p:nvSpPr>
+        <p:spPr>
+          <a:xfrm>
+            <a:off x="0" y="6723528"/>
+            <a:ext cx="12192000" cy="134471"/>
+          </a:xfrm>
+          <a:prstGeom prst="rect">
+            <a:avLst/>
+          </a:prstGeom>
+          <a:solidFill>
+            <a:schemeClr val="accent2"/>
+          </a:solidFill>
+        </p:spPr>
+        <p:style>
+          <a:lnRef idx="2">
+            <a:schemeClr val="accent2">
+              <a:shade val="50000"/>
+            </a:schemeClr>
+          </a:lnRef>
+          <a:fillRef idx="1">
+            <a:schemeClr val="accent2"/>
+          </a:fillRef>
+          <a:effectRef idx="0">
+            <a:schemeClr val="accent2"/>
+          </a:effectRef>
+          <a:fontRef idx="minor">
+            <a:schemeClr val="lt1"/>
+          </a:fontRef>
+        </p:style>
+        <p:txBody>
+          <a:bodyPr rtlCol="0" anchor="ctr"/>
+          <a:lstStyle/>
+          <a:p>
+            <a:pPr algn="ctr"/>
+            <a:endParaRPr lang="en-GB"/>
+          </a:p>
+        </p:txBody>
+      </p:sp>
+      <p:sp>
+        <p:nvSpPr>
+          <p:cNvPr id="10" name="Rectangle 9">
+            <a:extLst>
+              <a:ext uri="{FF2B5EF4-FFF2-40B4-BE49-F238E27FC236}">
+                <a16:creationId xmlns:a16="http://schemas.microsoft.com/office/drawing/2014/main" id="{192E015D-6BEF-43F9-9E52-3BC4DA3235B2}"/>
+              </a:ext>
+            </a:extLst>
+          </p:cNvPr>
+          <p:cNvSpPr/>
+          <p:nvPr/>
+        </p:nvSpPr>
+        <p:spPr>
+          <a:xfrm>
+            <a:off x="0" y="0"/>
+            <a:ext cx="12192000" cy="134471"/>
+          </a:xfrm>
+          <a:prstGeom prst="rect">
+            <a:avLst/>
+          </a:prstGeom>
+          <a:solidFill>
+            <a:schemeClr val="accent2"/>
+          </a:solidFill>
+        </p:spPr>
+        <p:style>
+          <a:lnRef idx="2">
+            <a:schemeClr val="accent2">
+              <a:shade val="50000"/>
+            </a:schemeClr>
+          </a:lnRef>
+          <a:fillRef idx="1">
+            <a:schemeClr val="accent2"/>
+          </a:fillRef>
+          <a:effectRef idx="0">
+            <a:schemeClr val="accent2"/>
+          </a:effectRef>
+          <a:fontRef idx="minor">
+            <a:schemeClr val="lt1"/>
+          </a:fontRef>
+        </p:style>
+        <p:txBody>
+          <a:bodyPr rtlCol="0" anchor="ctr"/>
+          <a:lstStyle/>
+          <a:p>
+            <a:pPr algn="ctr"/>
+            <a:endParaRPr lang="en-GB"/>
+          </a:p>
+        </p:txBody>
+      </p:sp>
+      <p:pic>
+        <p:nvPicPr>
+          <p:cNvPr id="2" name="Content Placeholder 1">
+            <a:extLst>
+              <a:ext uri="{FF2B5EF4-FFF2-40B4-BE49-F238E27FC236}">
+                <a16:creationId xmlns:a16="http://schemas.microsoft.com/office/drawing/2014/main" id="{F3109D42-1EBF-4C2C-AB9A-AD697731E430}"/>
+              </a:ext>
+            </a:extLst>
+          </p:cNvPr>
+          <p:cNvPicPr>
+            <a:picLocks noGrp="1" noChangeAspect="1"/>
+          </p:cNvPicPr>
+          <p:nvPr>
+            <p:ph idx="1"/>
+          </p:nvPr>
+        </p:nvPicPr>
+        <p:blipFill>
+          <a:blip r:embed="rId3"/>
+          <a:stretch>
+            <a:fillRect/>
+          </a:stretch>
+        </p:blipFill>
+        <p:spPr>
+          <a:xfrm>
+            <a:off x="1721880" y="1825625"/>
+            <a:ext cx="8748239" cy="4351338"/>
+          </a:xfrm>
+          <a:prstGeom prst="rect">
+            <a:avLst/>
+          </a:prstGeom>
+        </p:spPr>
+      </p:pic>
+      <p:sp>
+        <p:nvSpPr>
+          <p:cNvPr id="7" name="Title 6">
+            <a:extLst>
+              <a:ext uri="{FF2B5EF4-FFF2-40B4-BE49-F238E27FC236}">
+                <a16:creationId xmlns:a16="http://schemas.microsoft.com/office/drawing/2014/main" id="{58D177C2-A994-4024-8EF7-8BA5253210C7}"/>
+              </a:ext>
+            </a:extLst>
+          </p:cNvPr>
+          <p:cNvSpPr>
+            <a:spLocks noGrp="1"/>
+          </p:cNvSpPr>
+          <p:nvPr>
+            <p:ph type="title"/>
+          </p:nvPr>
+        </p:nvSpPr>
+        <p:spPr/>
+        <p:txBody>
+          <a:bodyPr/>
+          <a:lstStyle/>
+          <a:p>
+            <a:r>
+              <a:rPr lang="en-GB" dirty="0"/>
+              <a:t>The Problem</a:t>
+            </a:r>
+          </a:p>
+        </p:txBody>
+      </p:sp>
+    </p:spTree>
+    <p:extLst>
+      <p:ext uri="{BB962C8B-B14F-4D97-AF65-F5344CB8AC3E}">
+        <p14:creationId xmlns:p14="http://schemas.microsoft.com/office/powerpoint/2010/main" val="3627930452"/>
+      </p:ext>
+    </p:extLst>
+  </p:cSld>
+  <p:clrMapOvr>
+    <a:masterClrMapping/>
+  </p:clrMapOvr>
+</p:sld>
+</file>
+
+<file path=ppt/slides/slide4.xml><?xml version="1.0" encoding="utf-8"?>
+<p:sld xmlns:a="http://schemas.openxmlformats.org/drawingml/2006/main" xmlns:r="http://schemas.openxmlformats.org/officeDocument/2006/relationships" xmlns:p="http://schemas.openxmlformats.org/presentationml/2006/main">
+  <p:cSld>
+    <p:spTree>
+      <p:nvGrpSpPr>
+        <p:cNvPr id="1" name=""/>
+        <p:cNvGrpSpPr/>
+        <p:nvPr/>
+      </p:nvGrpSpPr>
+      <p:grpSpPr>
+        <a:xfrm>
+          <a:off x="0" y="0"/>
+          <a:ext cx="0" cy="0"/>
+          <a:chOff x="0" y="0"/>
+          <a:chExt cx="0" cy="0"/>
+        </a:xfrm>
+      </p:grpSpPr>
+      <p:pic>
+        <p:nvPicPr>
+          <p:cNvPr id="6" name="Picture 5" descr="Logo&#10;&#10;Description automatically generated">
+            <a:extLst>
+              <a:ext uri="{FF2B5EF4-FFF2-40B4-BE49-F238E27FC236}">
+                <a16:creationId xmlns:a16="http://schemas.microsoft.com/office/drawing/2014/main" id="{967220C6-22C7-4076-870C-3E07B2666F5A}"/>
+              </a:ext>
+            </a:extLst>
+          </p:cNvPr>
+          <p:cNvPicPr>
+            <a:picLocks noChangeAspect="1"/>
+          </p:cNvPicPr>
+          <p:nvPr/>
+        </p:nvPicPr>
+        <p:blipFill>
+          <a:blip r:embed="rId2"/>
+          <a:stretch>
+            <a:fillRect/>
+          </a:stretch>
+        </p:blipFill>
+        <p:spPr>
+          <a:xfrm>
+            <a:off x="9972113" y="-485870"/>
+            <a:ext cx="2219887" cy="2219887"/>
+          </a:xfrm>
+          <a:prstGeom prst="rect">
+            <a:avLst/>
+          </a:prstGeom>
+        </p:spPr>
+      </p:pic>
+      <p:sp>
+        <p:nvSpPr>
+          <p:cNvPr id="8" name="Rectangle 7">
+            <a:extLst>
+              <a:ext uri="{FF2B5EF4-FFF2-40B4-BE49-F238E27FC236}">
+                <a16:creationId xmlns:a16="http://schemas.microsoft.com/office/drawing/2014/main" id="{BFDD1C8A-D09F-47B1-BF02-2682F682C3A8}"/>
+              </a:ext>
+            </a:extLst>
+          </p:cNvPr>
+          <p:cNvSpPr/>
+          <p:nvPr/>
+        </p:nvSpPr>
+        <p:spPr>
+          <a:xfrm>
+            <a:off x="0" y="6723528"/>
+            <a:ext cx="12192000" cy="134471"/>
+          </a:xfrm>
+          <a:prstGeom prst="rect">
+            <a:avLst/>
+          </a:prstGeom>
+          <a:solidFill>
+            <a:schemeClr val="accent2"/>
+          </a:solidFill>
+        </p:spPr>
+        <p:style>
+          <a:lnRef idx="2">
+            <a:schemeClr val="accent2">
+              <a:shade val="50000"/>
+            </a:schemeClr>
+          </a:lnRef>
+          <a:fillRef idx="1">
+            <a:schemeClr val="accent2"/>
+          </a:fillRef>
+          <a:effectRef idx="0">
+            <a:schemeClr val="accent2"/>
+          </a:effectRef>
+          <a:fontRef idx="minor">
+            <a:schemeClr val="lt1"/>
+          </a:fontRef>
+        </p:style>
+        <p:txBody>
+          <a:bodyPr rtlCol="0" anchor="ctr"/>
+          <a:lstStyle/>
+          <a:p>
+            <a:pPr algn="ctr"/>
+            <a:endParaRPr lang="en-GB"/>
+          </a:p>
+        </p:txBody>
+      </p:sp>
+      <p:sp>
+        <p:nvSpPr>
+          <p:cNvPr id="10" name="Rectangle 9">
+            <a:extLst>
+              <a:ext uri="{FF2B5EF4-FFF2-40B4-BE49-F238E27FC236}">
+                <a16:creationId xmlns:a16="http://schemas.microsoft.com/office/drawing/2014/main" id="{192E015D-6BEF-43F9-9E52-3BC4DA3235B2}"/>
+              </a:ext>
+            </a:extLst>
+          </p:cNvPr>
+          <p:cNvSpPr/>
+          <p:nvPr/>
+        </p:nvSpPr>
+        <p:spPr>
+          <a:xfrm>
+            <a:off x="0" y="0"/>
+            <a:ext cx="12192000" cy="134471"/>
+          </a:xfrm>
+          <a:prstGeom prst="rect">
+            <a:avLst/>
+          </a:prstGeom>
+          <a:solidFill>
+            <a:schemeClr val="accent2"/>
+          </a:solidFill>
+        </p:spPr>
+        <p:style>
+          <a:lnRef idx="2">
+            <a:schemeClr val="accent2">
+              <a:shade val="50000"/>
+            </a:schemeClr>
+          </a:lnRef>
+          <a:fillRef idx="1">
+            <a:schemeClr val="accent2"/>
+          </a:fillRef>
+          <a:effectRef idx="0">
+            <a:schemeClr val="accent2"/>
+          </a:effectRef>
+          <a:fontRef idx="minor">
+            <a:schemeClr val="lt1"/>
+          </a:fontRef>
+        </p:style>
+        <p:txBody>
+          <a:bodyPr rtlCol="0" anchor="ctr"/>
+          <a:lstStyle/>
+          <a:p>
+            <a:pPr algn="ctr"/>
+            <a:endParaRPr lang="en-GB"/>
+          </a:p>
+        </p:txBody>
+      </p:sp>
+      <p:sp>
+        <p:nvSpPr>
+          <p:cNvPr id="7" name="Title 6">
+            <a:extLst>
+              <a:ext uri="{FF2B5EF4-FFF2-40B4-BE49-F238E27FC236}">
+                <a16:creationId xmlns:a16="http://schemas.microsoft.com/office/drawing/2014/main" id="{58D177C2-A994-4024-8EF7-8BA5253210C7}"/>
+              </a:ext>
+            </a:extLst>
+          </p:cNvPr>
+          <p:cNvSpPr>
+            <a:spLocks noGrp="1"/>
+          </p:cNvSpPr>
+          <p:nvPr>
+            <p:ph type="title"/>
+          </p:nvPr>
+        </p:nvSpPr>
+        <p:spPr/>
+        <p:txBody>
+          <a:bodyPr/>
+          <a:lstStyle/>
+          <a:p>
+            <a:r>
+              <a:rPr lang="en-GB" dirty="0"/>
+              <a:t>Basic Process</a:t>
+            </a:r>
+          </a:p>
+        </p:txBody>
+      </p:sp>
+      <p:pic>
+        <p:nvPicPr>
+          <p:cNvPr id="11" name="Picture 10" descr="A picture containing text&#10;&#10;Description automatically generated">
+            <a:extLst>
+              <a:ext uri="{FF2B5EF4-FFF2-40B4-BE49-F238E27FC236}">
+                <a16:creationId xmlns:a16="http://schemas.microsoft.com/office/drawing/2014/main" id="{7BD92C95-E948-43F7-8043-DA34B9F08317}"/>
+              </a:ext>
+            </a:extLst>
+          </p:cNvPr>
+          <p:cNvPicPr>
+            <a:picLocks noChangeAspect="1"/>
+          </p:cNvPicPr>
+          <p:nvPr/>
+        </p:nvPicPr>
+        <p:blipFill>
+          <a:blip r:embed="rId3"/>
+          <a:stretch>
+            <a:fillRect/>
+          </a:stretch>
+        </p:blipFill>
+        <p:spPr>
+          <a:xfrm>
+            <a:off x="2852737" y="2720539"/>
+            <a:ext cx="6486525" cy="1914525"/>
+          </a:xfrm>
+          <a:prstGeom prst="rect">
+            <a:avLst/>
+          </a:prstGeom>
+        </p:spPr>
+      </p:pic>
+    </p:spTree>
+    <p:extLst>
+      <p:ext uri="{BB962C8B-B14F-4D97-AF65-F5344CB8AC3E}">
+        <p14:creationId xmlns:p14="http://schemas.microsoft.com/office/powerpoint/2010/main" val="2675363575"/>
+      </p:ext>
+    </p:extLst>
+  </p:cSld>
+  <p:clrMapOvr>
+    <a:masterClrMapping/>
+  </p:clrMapOvr>
+</p:sld>
+</file>
+
+<file path=ppt/slides/slide5.xml><?xml version="1.0" encoding="utf-8"?>
+<p:sld xmlns:a="http://schemas.openxmlformats.org/drawingml/2006/main" xmlns:r="http://schemas.openxmlformats.org/officeDocument/2006/relationships" xmlns:p="http://schemas.openxmlformats.org/presentationml/2006/main">
+  <p:cSld>
+    <p:spTree>
+      <p:nvGrpSpPr>
+        <p:cNvPr id="1" name=""/>
+        <p:cNvGrpSpPr/>
+        <p:nvPr/>
+      </p:nvGrpSpPr>
+      <p:grpSpPr>
+        <a:xfrm>
+          <a:off x="0" y="0"/>
+          <a:ext cx="0" cy="0"/>
+          <a:chOff x="0" y="0"/>
+          <a:chExt cx="0" cy="0"/>
+        </a:xfrm>
+      </p:grpSpPr>
+      <p:pic>
+        <p:nvPicPr>
+          <p:cNvPr id="6" name="Picture 5" descr="Logo&#10;&#10;Description automatically generated">
+            <a:extLst>
+              <a:ext uri="{FF2B5EF4-FFF2-40B4-BE49-F238E27FC236}">
+                <a16:creationId xmlns:a16="http://schemas.microsoft.com/office/drawing/2014/main" id="{967220C6-22C7-4076-870C-3E07B2666F5A}"/>
+              </a:ext>
+            </a:extLst>
+          </p:cNvPr>
+          <p:cNvPicPr>
+            <a:picLocks noChangeAspect="1"/>
+          </p:cNvPicPr>
+          <p:nvPr/>
+        </p:nvPicPr>
+        <p:blipFill>
+          <a:blip r:embed="rId2"/>
+          <a:stretch>
+            <a:fillRect/>
+          </a:stretch>
+        </p:blipFill>
+        <p:spPr>
+          <a:xfrm>
+            <a:off x="9972113" y="-485870"/>
+            <a:ext cx="2219887" cy="2219887"/>
+          </a:xfrm>
+          <a:prstGeom prst="rect">
+            <a:avLst/>
+          </a:prstGeom>
+        </p:spPr>
+      </p:pic>
+      <p:sp>
+        <p:nvSpPr>
+          <p:cNvPr id="8" name="Rectangle 7">
+            <a:extLst>
+              <a:ext uri="{FF2B5EF4-FFF2-40B4-BE49-F238E27FC236}">
+                <a16:creationId xmlns:a16="http://schemas.microsoft.com/office/drawing/2014/main" id="{BFDD1C8A-D09F-47B1-BF02-2682F682C3A8}"/>
+              </a:ext>
+            </a:extLst>
+          </p:cNvPr>
+          <p:cNvSpPr/>
+          <p:nvPr/>
+        </p:nvSpPr>
+        <p:spPr>
+          <a:xfrm>
+            <a:off x="0" y="6723528"/>
+            <a:ext cx="12192000" cy="134471"/>
+          </a:xfrm>
+          <a:prstGeom prst="rect">
+            <a:avLst/>
+          </a:prstGeom>
+          <a:solidFill>
+            <a:schemeClr val="accent2"/>
+          </a:solidFill>
+        </p:spPr>
+        <p:style>
+          <a:lnRef idx="2">
+            <a:schemeClr val="accent2">
+              <a:shade val="50000"/>
+            </a:schemeClr>
+          </a:lnRef>
+          <a:fillRef idx="1">
+            <a:schemeClr val="accent2"/>
+          </a:fillRef>
+          <a:effectRef idx="0">
+            <a:schemeClr val="accent2"/>
+          </a:effectRef>
+          <a:fontRef idx="minor">
+            <a:schemeClr val="lt1"/>
+          </a:fontRef>
+        </p:style>
+        <p:txBody>
+          <a:bodyPr rtlCol="0" anchor="ctr"/>
+          <a:lstStyle/>
+          <a:p>
+            <a:pPr algn="ctr"/>
+            <a:endParaRPr lang="en-GB"/>
+          </a:p>
+        </p:txBody>
+      </p:sp>
+      <p:sp>
+        <p:nvSpPr>
+          <p:cNvPr id="10" name="Rectangle 9">
+            <a:extLst>
+              <a:ext uri="{FF2B5EF4-FFF2-40B4-BE49-F238E27FC236}">
+                <a16:creationId xmlns:a16="http://schemas.microsoft.com/office/drawing/2014/main" id="{192E015D-6BEF-43F9-9E52-3BC4DA3235B2}"/>
+              </a:ext>
+            </a:extLst>
+          </p:cNvPr>
+          <p:cNvSpPr/>
+          <p:nvPr/>
+        </p:nvSpPr>
+        <p:spPr>
+          <a:xfrm>
+            <a:off x="0" y="0"/>
+            <a:ext cx="12192000" cy="134471"/>
+          </a:xfrm>
+          <a:prstGeom prst="rect">
+            <a:avLst/>
+          </a:prstGeom>
+          <a:solidFill>
+            <a:schemeClr val="accent2"/>
+          </a:solidFill>
+        </p:spPr>
+        <p:style>
+          <a:lnRef idx="2">
+            <a:schemeClr val="accent2">
+              <a:shade val="50000"/>
+            </a:schemeClr>
+          </a:lnRef>
+          <a:fillRef idx="1">
+            <a:schemeClr val="accent2"/>
+          </a:fillRef>
+          <a:effectRef idx="0">
+            <a:schemeClr val="accent2"/>
+          </a:effectRef>
+          <a:fontRef idx="minor">
+            <a:schemeClr val="lt1"/>
+          </a:fontRef>
+        </p:style>
+        <p:txBody>
+          <a:bodyPr rtlCol="0" anchor="ctr"/>
+          <a:lstStyle/>
+          <a:p>
+            <a:pPr algn="ctr"/>
+            <a:endParaRPr lang="en-GB"/>
+          </a:p>
+        </p:txBody>
+      </p:sp>
+      <p:sp>
+        <p:nvSpPr>
+          <p:cNvPr id="7" name="Title 6">
+            <a:extLst>
+              <a:ext uri="{FF2B5EF4-FFF2-40B4-BE49-F238E27FC236}">
+                <a16:creationId xmlns:a16="http://schemas.microsoft.com/office/drawing/2014/main" id="{58D177C2-A994-4024-8EF7-8BA5253210C7}"/>
+              </a:ext>
+            </a:extLst>
+          </p:cNvPr>
+          <p:cNvSpPr>
+            <a:spLocks noGrp="1"/>
+          </p:cNvSpPr>
+          <p:nvPr>
+            <p:ph type="title"/>
+          </p:nvPr>
+        </p:nvSpPr>
+        <p:spPr/>
+        <p:txBody>
+          <a:bodyPr/>
+          <a:lstStyle/>
+          <a:p>
+            <a:r>
+              <a:rPr lang="en-GB" dirty="0"/>
+              <a:t>Excision + Management </a:t>
+            </a:r>
+            <a:r>
+              <a:rPr lang="en-GB" dirty="0" err="1"/>
+              <a:t>i</a:t>
+            </a:r>
+            <a:r>
+              <a:rPr lang="en-GB" dirty="0"/>
+              <a:t>)</a:t>
+            </a:r>
+            <a:br>
+              <a:rPr lang="en-GB" dirty="0"/>
+            </a:br>
+            <a:r>
+              <a:rPr lang="en-GB" sz="2400" dirty="0"/>
+              <a:t>-Overview</a:t>
+            </a:r>
+          </a:p>
+        </p:txBody>
+      </p:sp>
+      <p:sp>
+        <p:nvSpPr>
+          <p:cNvPr id="5" name="Content Placeholder 4">
+            <a:extLst>
+              <a:ext uri="{FF2B5EF4-FFF2-40B4-BE49-F238E27FC236}">
+                <a16:creationId xmlns:a16="http://schemas.microsoft.com/office/drawing/2014/main" id="{CCE730B2-CB10-4AB6-BD91-21BC4A32F0B1}"/>
+              </a:ext>
+            </a:extLst>
+          </p:cNvPr>
+          <p:cNvSpPr>
+            <a:spLocks noGrp="1"/>
+          </p:cNvSpPr>
+          <p:nvPr>
+            <p:ph idx="1"/>
+          </p:nvPr>
+        </p:nvSpPr>
+        <p:spPr>
+          <a:xfrm>
+            <a:off x="838200" y="1825625"/>
+            <a:ext cx="5545347" cy="4351338"/>
+          </a:xfrm>
+        </p:spPr>
+        <p:txBody>
+          <a:bodyPr/>
+          <a:lstStyle/>
+          <a:p>
+            <a:r>
+              <a:rPr lang="en-GB" dirty="0"/>
+              <a:t>For now, we assume ‘perfect’ flagging.</a:t>
+            </a:r>
+          </a:p>
+          <a:p>
+            <a:r>
+              <a:rPr lang="en-GB" dirty="0"/>
+              <a:t>3 possible approaches:</a:t>
+            </a:r>
+          </a:p>
+          <a:p>
+            <a:pPr marL="914400" lvl="1" indent="-457200">
+              <a:buFont typeface="+mj-lt"/>
+              <a:buAutoNum type="arabicPeriod"/>
+            </a:pPr>
+            <a:r>
+              <a:rPr lang="en-GB" dirty="0"/>
+              <a:t>Excision + Inpainting</a:t>
+            </a:r>
+          </a:p>
+          <a:p>
+            <a:pPr marL="914400" lvl="1" indent="-457200">
+              <a:buFont typeface="+mj-lt"/>
+              <a:buAutoNum type="arabicPeriod"/>
+            </a:pPr>
+            <a:r>
+              <a:rPr lang="en-GB" dirty="0"/>
+              <a:t>Excision + Polychord</a:t>
+            </a:r>
+          </a:p>
+          <a:p>
+            <a:pPr marL="914400" lvl="1" indent="-457200">
+              <a:buFont typeface="+mj-lt"/>
+              <a:buAutoNum type="arabicPeriod"/>
+            </a:pPr>
+            <a:r>
+              <a:rPr lang="en-GB" dirty="0"/>
+              <a:t>Polychord Only</a:t>
+            </a:r>
+          </a:p>
+          <a:p>
+            <a:pPr marL="457200" lvl="1" indent="0">
+              <a:buNone/>
+            </a:pPr>
+            <a:endParaRPr lang="en-GB" dirty="0"/>
+          </a:p>
+        </p:txBody>
+      </p:sp>
+    </p:spTree>
+    <p:extLst>
+      <p:ext uri="{BB962C8B-B14F-4D97-AF65-F5344CB8AC3E}">
+        <p14:creationId xmlns:p14="http://schemas.microsoft.com/office/powerpoint/2010/main" val="1159772898"/>
+      </p:ext>
+    </p:extLst>
+  </p:cSld>
+  <p:clrMapOvr>
+    <a:masterClrMapping/>
+  </p:clrMapOvr>
+</p:sld>
+</file>
+
+<file path=ppt/slides/slide6.xml><?xml version="1.0" encoding="utf-8"?>
+<p:sld xmlns:a="http://schemas.openxmlformats.org/drawingml/2006/main" xmlns:r="http://schemas.openxmlformats.org/officeDocument/2006/relationships" xmlns:p="http://schemas.openxmlformats.org/presentationml/2006/main">
+  <p:cSld>
+    <p:spTree>
+      <p:nvGrpSpPr>
+        <p:cNvPr id="1" name=""/>
+        <p:cNvGrpSpPr/>
+        <p:nvPr/>
+      </p:nvGrpSpPr>
+      <p:grpSpPr>
+        <a:xfrm>
+          <a:off x="0" y="0"/>
+          <a:ext cx="0" cy="0"/>
+          <a:chOff x="0" y="0"/>
+          <a:chExt cx="0" cy="0"/>
+        </a:xfrm>
+      </p:grpSpPr>
+      <p:pic>
+        <p:nvPicPr>
+          <p:cNvPr id="6" name="Picture 5" descr="Logo&#10;&#10;Description automatically generated">
+            <a:extLst>
+              <a:ext uri="{FF2B5EF4-FFF2-40B4-BE49-F238E27FC236}">
+                <a16:creationId xmlns:a16="http://schemas.microsoft.com/office/drawing/2014/main" id="{967220C6-22C7-4076-870C-3E07B2666F5A}"/>
+              </a:ext>
+            </a:extLst>
+          </p:cNvPr>
+          <p:cNvPicPr>
+            <a:picLocks noChangeAspect="1"/>
+          </p:cNvPicPr>
+          <p:nvPr/>
+        </p:nvPicPr>
+        <p:blipFill>
+          <a:blip r:embed="rId2"/>
+          <a:stretch>
+            <a:fillRect/>
+          </a:stretch>
+        </p:blipFill>
+        <p:spPr>
+          <a:xfrm>
+            <a:off x="9972113" y="-485870"/>
+            <a:ext cx="2219887" cy="2219887"/>
+          </a:xfrm>
+          <a:prstGeom prst="rect">
+            <a:avLst/>
+          </a:prstGeom>
+        </p:spPr>
+      </p:pic>
+      <p:sp>
+        <p:nvSpPr>
+          <p:cNvPr id="8" name="Rectangle 7">
+            <a:extLst>
+              <a:ext uri="{FF2B5EF4-FFF2-40B4-BE49-F238E27FC236}">
+                <a16:creationId xmlns:a16="http://schemas.microsoft.com/office/drawing/2014/main" id="{BFDD1C8A-D09F-47B1-BF02-2682F682C3A8}"/>
+              </a:ext>
+            </a:extLst>
+          </p:cNvPr>
+          <p:cNvSpPr/>
+          <p:nvPr/>
+        </p:nvSpPr>
+        <p:spPr>
+          <a:xfrm>
+            <a:off x="0" y="6723528"/>
+            <a:ext cx="12192000" cy="134471"/>
+          </a:xfrm>
+          <a:prstGeom prst="rect">
+            <a:avLst/>
+          </a:prstGeom>
+          <a:solidFill>
+            <a:schemeClr val="accent2"/>
+          </a:solidFill>
+        </p:spPr>
+        <p:style>
+          <a:lnRef idx="2">
+            <a:schemeClr val="accent2">
+              <a:shade val="50000"/>
+            </a:schemeClr>
+          </a:lnRef>
+          <a:fillRef idx="1">
+            <a:schemeClr val="accent2"/>
+          </a:fillRef>
+          <a:effectRef idx="0">
+            <a:schemeClr val="accent2"/>
+          </a:effectRef>
+          <a:fontRef idx="minor">
+            <a:schemeClr val="lt1"/>
+          </a:fontRef>
+        </p:style>
+        <p:txBody>
+          <a:bodyPr rtlCol="0" anchor="ctr"/>
+          <a:lstStyle/>
+          <a:p>
+            <a:pPr algn="ctr"/>
+            <a:endParaRPr lang="en-GB"/>
+          </a:p>
+        </p:txBody>
+      </p:sp>
+      <p:sp>
+        <p:nvSpPr>
+          <p:cNvPr id="10" name="Rectangle 9">
+            <a:extLst>
+              <a:ext uri="{FF2B5EF4-FFF2-40B4-BE49-F238E27FC236}">
+                <a16:creationId xmlns:a16="http://schemas.microsoft.com/office/drawing/2014/main" id="{192E015D-6BEF-43F9-9E52-3BC4DA3235B2}"/>
+              </a:ext>
+            </a:extLst>
+          </p:cNvPr>
+          <p:cNvSpPr/>
+          <p:nvPr/>
+        </p:nvSpPr>
+        <p:spPr>
+          <a:xfrm>
+            <a:off x="0" y="0"/>
+            <a:ext cx="12192000" cy="134471"/>
+          </a:xfrm>
+          <a:prstGeom prst="rect">
+            <a:avLst/>
+          </a:prstGeom>
+          <a:solidFill>
+            <a:schemeClr val="accent2"/>
+          </a:solidFill>
+        </p:spPr>
+        <p:style>
+          <a:lnRef idx="2">
+            <a:schemeClr val="accent2">
+              <a:shade val="50000"/>
+            </a:schemeClr>
+          </a:lnRef>
+          <a:fillRef idx="1">
+            <a:schemeClr val="accent2"/>
+          </a:fillRef>
+          <a:effectRef idx="0">
+            <a:schemeClr val="accent2"/>
+          </a:effectRef>
+          <a:fontRef idx="minor">
+            <a:schemeClr val="lt1"/>
+          </a:fontRef>
+        </p:style>
+        <p:txBody>
+          <a:bodyPr rtlCol="0" anchor="ctr"/>
+          <a:lstStyle/>
+          <a:p>
+            <a:pPr algn="ctr"/>
+            <a:endParaRPr lang="en-GB"/>
+          </a:p>
+        </p:txBody>
+      </p:sp>
+      <p:sp>
+        <p:nvSpPr>
+          <p:cNvPr id="7" name="Title 6">
+            <a:extLst>
+              <a:ext uri="{FF2B5EF4-FFF2-40B4-BE49-F238E27FC236}">
+                <a16:creationId xmlns:a16="http://schemas.microsoft.com/office/drawing/2014/main" id="{58D177C2-A994-4024-8EF7-8BA5253210C7}"/>
+              </a:ext>
+            </a:extLst>
+          </p:cNvPr>
+          <p:cNvSpPr>
+            <a:spLocks noGrp="1"/>
+          </p:cNvSpPr>
+          <p:nvPr>
+            <p:ph type="title"/>
+          </p:nvPr>
+        </p:nvSpPr>
+        <p:spPr/>
+        <p:txBody>
+          <a:bodyPr/>
+          <a:lstStyle/>
+          <a:p>
+            <a:r>
+              <a:rPr lang="en-GB" dirty="0"/>
+              <a:t>Excision + Management ii)</a:t>
+            </a:r>
+            <a:br>
+              <a:rPr lang="en-GB" dirty="0"/>
+            </a:br>
+            <a:r>
+              <a:rPr lang="en-GB" sz="2400" dirty="0"/>
+              <a:t>-How do we manage data excision?</a:t>
+            </a:r>
+          </a:p>
+        </p:txBody>
+      </p:sp>
+      <p:sp>
+        <p:nvSpPr>
+          <p:cNvPr id="5" name="Content Placeholder 4">
+            <a:extLst>
+              <a:ext uri="{FF2B5EF4-FFF2-40B4-BE49-F238E27FC236}">
+                <a16:creationId xmlns:a16="http://schemas.microsoft.com/office/drawing/2014/main" id="{CCE730B2-CB10-4AB6-BD91-21BC4A32F0B1}"/>
+              </a:ext>
+            </a:extLst>
+          </p:cNvPr>
+          <p:cNvSpPr>
+            <a:spLocks noGrp="1"/>
+          </p:cNvSpPr>
+          <p:nvPr>
+            <p:ph idx="1"/>
+          </p:nvPr>
+        </p:nvSpPr>
+        <p:spPr>
+          <a:xfrm>
+            <a:off x="838200" y="1825625"/>
+            <a:ext cx="5674743" cy="2694617"/>
+          </a:xfrm>
+        </p:spPr>
+        <p:txBody>
+          <a:bodyPr>
+            <a:normAutofit fontScale="92500"/>
+          </a:bodyPr>
+          <a:lstStyle/>
+          <a:p>
+            <a:pPr marL="514350" indent="-514350">
+              <a:buFont typeface="+mj-lt"/>
+              <a:buAutoNum type="arabicPeriod"/>
+            </a:pPr>
+            <a:r>
+              <a:rPr lang="en-GB" dirty="0"/>
+              <a:t>Delete frequency bins containing RFI.</a:t>
+            </a:r>
+          </a:p>
+          <a:p>
+            <a:pPr marL="514350" indent="-514350">
+              <a:buFont typeface="+mj-lt"/>
+              <a:buAutoNum type="arabicPeriod"/>
+            </a:pPr>
+            <a:r>
+              <a:rPr lang="en-GB" dirty="0"/>
+              <a:t>Sum likelihood pdfs of remaining frequency bins.</a:t>
+            </a:r>
+          </a:p>
+          <a:p>
+            <a:pPr marL="514350" indent="-514350">
+              <a:buFont typeface="+mj-lt"/>
+              <a:buAutoNum type="arabicPeriod"/>
+            </a:pPr>
+            <a:r>
+              <a:rPr lang="en-GB" dirty="0"/>
+              <a:t>Parameter estimation and Bayesian evidence calculation using Polychord.</a:t>
+            </a:r>
+          </a:p>
+          <a:p>
+            <a:pPr marL="514350" indent="-514350">
+              <a:buFont typeface="+mj-lt"/>
+              <a:buAutoNum type="arabicPeriod"/>
+            </a:pPr>
+            <a:endParaRPr lang="en-GB" dirty="0"/>
+          </a:p>
+        </p:txBody>
+      </p:sp>
+      <p:pic>
+        <p:nvPicPr>
+          <p:cNvPr id="2" name="Picture 1">
+            <a:extLst>
+              <a:ext uri="{FF2B5EF4-FFF2-40B4-BE49-F238E27FC236}">
+                <a16:creationId xmlns:a16="http://schemas.microsoft.com/office/drawing/2014/main" id="{CB5E42F8-AB15-42DF-AA1E-475286389FF2}"/>
+              </a:ext>
+            </a:extLst>
+          </p:cNvPr>
+          <p:cNvPicPr>
+            <a:picLocks noChangeAspect="1"/>
+          </p:cNvPicPr>
+          <p:nvPr/>
+        </p:nvPicPr>
+        <p:blipFill>
+          <a:blip r:embed="rId3"/>
+          <a:stretch>
+            <a:fillRect/>
+          </a:stretch>
+        </p:blipFill>
+        <p:spPr>
+          <a:xfrm>
+            <a:off x="6607551" y="1765243"/>
+            <a:ext cx="4942677" cy="3707008"/>
+          </a:xfrm>
+          <a:prstGeom prst="rect">
+            <a:avLst/>
+          </a:prstGeom>
+        </p:spPr>
+      </p:pic>
+      <p:pic>
+        <p:nvPicPr>
+          <p:cNvPr id="9" name="Picture 8">
+            <a:extLst>
+              <a:ext uri="{FF2B5EF4-FFF2-40B4-BE49-F238E27FC236}">
+                <a16:creationId xmlns:a16="http://schemas.microsoft.com/office/drawing/2014/main" id="{F74BA6B4-33E0-4AEA-AC55-2AB65C1351FE}"/>
+              </a:ext>
+            </a:extLst>
+          </p:cNvPr>
+          <p:cNvPicPr>
+            <a:picLocks noChangeAspect="1"/>
+          </p:cNvPicPr>
+          <p:nvPr/>
+        </p:nvPicPr>
+        <p:blipFill>
+          <a:blip r:embed="rId4"/>
+          <a:stretch>
+            <a:fillRect/>
+          </a:stretch>
+        </p:blipFill>
+        <p:spPr>
+          <a:xfrm>
+            <a:off x="1152884" y="4550074"/>
+            <a:ext cx="5045374" cy="922177"/>
+          </a:xfrm>
+          <a:prstGeom prst="rect">
+            <a:avLst/>
+          </a:prstGeom>
+        </p:spPr>
+      </p:pic>
+    </p:spTree>
+    <p:extLst>
+      <p:ext uri="{BB962C8B-B14F-4D97-AF65-F5344CB8AC3E}">
+        <p14:creationId xmlns:p14="http://schemas.microsoft.com/office/powerpoint/2010/main" val="2214622728"/>
+      </p:ext>
+    </p:extLst>
+  </p:cSld>
+  <p:clrMapOvr>
+    <a:masterClrMapping/>
+  </p:clrMapOvr>
+</p:sld>
+</file>
+
+<file path=ppt/slides/slide7.xml><?xml version="1.0" encoding="utf-8"?>
+<p:sld xmlns:a="http://schemas.openxmlformats.org/drawingml/2006/main" xmlns:r="http://schemas.openxmlformats.org/officeDocument/2006/relationships" xmlns:p="http://schemas.openxmlformats.org/presentationml/2006/main">
+  <p:cSld>
+    <p:spTree>
+      <p:nvGrpSpPr>
+        <p:cNvPr id="1" name=""/>
+        <p:cNvGrpSpPr/>
+        <p:nvPr/>
+      </p:nvGrpSpPr>
+      <p:grpSpPr>
+        <a:xfrm>
+          <a:off x="0" y="0"/>
+          <a:ext cx="0" cy="0"/>
+          <a:chOff x="0" y="0"/>
+          <a:chExt cx="0" cy="0"/>
+        </a:xfrm>
+      </p:grpSpPr>
+      <p:pic>
+        <p:nvPicPr>
+          <p:cNvPr id="6" name="Picture 5" descr="Logo&#10;&#10;Description automatically generated">
+            <a:extLst>
+              <a:ext uri="{FF2B5EF4-FFF2-40B4-BE49-F238E27FC236}">
+                <a16:creationId xmlns:a16="http://schemas.microsoft.com/office/drawing/2014/main" id="{967220C6-22C7-4076-870C-3E07B2666F5A}"/>
+              </a:ext>
+            </a:extLst>
+          </p:cNvPr>
+          <p:cNvPicPr>
+            <a:picLocks noChangeAspect="1"/>
+          </p:cNvPicPr>
+          <p:nvPr/>
+        </p:nvPicPr>
+        <p:blipFill>
+          <a:blip r:embed="rId2"/>
+          <a:stretch>
+            <a:fillRect/>
+          </a:stretch>
+        </p:blipFill>
+        <p:spPr>
+          <a:xfrm>
+            <a:off x="9972113" y="-485870"/>
+            <a:ext cx="2219887" cy="2219887"/>
+          </a:xfrm>
+          <a:prstGeom prst="rect">
+            <a:avLst/>
+          </a:prstGeom>
+        </p:spPr>
+      </p:pic>
+      <p:sp>
+        <p:nvSpPr>
+          <p:cNvPr id="8" name="Rectangle 7">
+            <a:extLst>
+              <a:ext uri="{FF2B5EF4-FFF2-40B4-BE49-F238E27FC236}">
+                <a16:creationId xmlns:a16="http://schemas.microsoft.com/office/drawing/2014/main" id="{BFDD1C8A-D09F-47B1-BF02-2682F682C3A8}"/>
+              </a:ext>
+            </a:extLst>
+          </p:cNvPr>
+          <p:cNvSpPr/>
+          <p:nvPr/>
+        </p:nvSpPr>
+        <p:spPr>
+          <a:xfrm>
+            <a:off x="0" y="6723528"/>
+            <a:ext cx="12192000" cy="134471"/>
+          </a:xfrm>
+          <a:prstGeom prst="rect">
+            <a:avLst/>
+          </a:prstGeom>
+          <a:solidFill>
+            <a:schemeClr val="accent2"/>
+          </a:solidFill>
+        </p:spPr>
+        <p:style>
+          <a:lnRef idx="2">
+            <a:schemeClr val="accent2">
+              <a:shade val="50000"/>
+            </a:schemeClr>
+          </a:lnRef>
+          <a:fillRef idx="1">
+            <a:schemeClr val="accent2"/>
+          </a:fillRef>
+          <a:effectRef idx="0">
+            <a:schemeClr val="accent2"/>
+          </a:effectRef>
+          <a:fontRef idx="minor">
+            <a:schemeClr val="lt1"/>
+          </a:fontRef>
+        </p:style>
+        <p:txBody>
+          <a:bodyPr rtlCol="0" anchor="ctr"/>
+          <a:lstStyle/>
+          <a:p>
+            <a:pPr algn="ctr"/>
+            <a:endParaRPr lang="en-GB"/>
+          </a:p>
+        </p:txBody>
+      </p:sp>
+      <p:sp>
+        <p:nvSpPr>
+          <p:cNvPr id="10" name="Rectangle 9">
+            <a:extLst>
+              <a:ext uri="{FF2B5EF4-FFF2-40B4-BE49-F238E27FC236}">
+                <a16:creationId xmlns:a16="http://schemas.microsoft.com/office/drawing/2014/main" id="{192E015D-6BEF-43F9-9E52-3BC4DA3235B2}"/>
+              </a:ext>
+            </a:extLst>
+          </p:cNvPr>
+          <p:cNvSpPr/>
+          <p:nvPr/>
+        </p:nvSpPr>
+        <p:spPr>
+          <a:xfrm>
+            <a:off x="0" y="0"/>
+            <a:ext cx="12192000" cy="134471"/>
+          </a:xfrm>
+          <a:prstGeom prst="rect">
+            <a:avLst/>
+          </a:prstGeom>
+          <a:solidFill>
+            <a:schemeClr val="accent2"/>
+          </a:solidFill>
+        </p:spPr>
+        <p:style>
+          <a:lnRef idx="2">
+            <a:schemeClr val="accent2">
+              <a:shade val="50000"/>
+            </a:schemeClr>
+          </a:lnRef>
+          <a:fillRef idx="1">
+            <a:schemeClr val="accent2"/>
+          </a:fillRef>
+          <a:effectRef idx="0">
+            <a:schemeClr val="accent2"/>
+          </a:effectRef>
+          <a:fontRef idx="minor">
+            <a:schemeClr val="lt1"/>
+          </a:fontRef>
+        </p:style>
+        <p:txBody>
+          <a:bodyPr rtlCol="0" anchor="ctr"/>
+          <a:lstStyle/>
+          <a:p>
+            <a:pPr algn="ctr"/>
+            <a:endParaRPr lang="en-GB"/>
+          </a:p>
+        </p:txBody>
+      </p:sp>
+      <p:sp>
+        <p:nvSpPr>
+          <p:cNvPr id="7" name="Title 6">
+            <a:extLst>
+              <a:ext uri="{FF2B5EF4-FFF2-40B4-BE49-F238E27FC236}">
+                <a16:creationId xmlns:a16="http://schemas.microsoft.com/office/drawing/2014/main" id="{58D177C2-A994-4024-8EF7-8BA5253210C7}"/>
+              </a:ext>
+            </a:extLst>
+          </p:cNvPr>
+          <p:cNvSpPr>
+            <a:spLocks noGrp="1"/>
+          </p:cNvSpPr>
+          <p:nvPr>
+            <p:ph type="title"/>
+          </p:nvPr>
+        </p:nvSpPr>
+        <p:spPr/>
+        <p:txBody>
+          <a:bodyPr/>
+          <a:lstStyle/>
+          <a:p>
+            <a:r>
+              <a:rPr lang="en-GB" dirty="0"/>
+              <a:t>Excision + Management iii)</a:t>
+            </a:r>
+            <a:br>
+              <a:rPr lang="en-GB" dirty="0"/>
+            </a:br>
+            <a:r>
+              <a:rPr lang="en-GB" sz="2400" dirty="0"/>
+              <a:t>-How much data can we lose?</a:t>
+            </a:r>
+          </a:p>
+        </p:txBody>
+      </p:sp>
+      <p:pic>
+        <p:nvPicPr>
+          <p:cNvPr id="3" name="Picture 2" descr="A picture containing shape&#10;&#10;Description automatically generated">
+            <a:extLst>
+              <a:ext uri="{FF2B5EF4-FFF2-40B4-BE49-F238E27FC236}">
+                <a16:creationId xmlns:a16="http://schemas.microsoft.com/office/drawing/2014/main" id="{25461737-1F5D-441F-AD9C-664938141D5F}"/>
+              </a:ext>
+            </a:extLst>
+          </p:cNvPr>
+          <p:cNvPicPr>
+            <a:picLocks noChangeAspect="1"/>
+          </p:cNvPicPr>
+          <p:nvPr/>
+        </p:nvPicPr>
+        <p:blipFill>
+          <a:blip r:embed="rId3"/>
+          <a:stretch>
+            <a:fillRect/>
+          </a:stretch>
+        </p:blipFill>
+        <p:spPr>
+          <a:xfrm>
+            <a:off x="6096000" y="1734017"/>
+            <a:ext cx="4879676" cy="3659757"/>
+          </a:xfrm>
+          <a:prstGeom prst="rect">
+            <a:avLst/>
+          </a:prstGeom>
+        </p:spPr>
+      </p:pic>
+      <p:pic>
+        <p:nvPicPr>
+          <p:cNvPr id="9" name="Picture 8" descr="Chart&#10;&#10;Description automatically generated">
+            <a:extLst>
+              <a:ext uri="{FF2B5EF4-FFF2-40B4-BE49-F238E27FC236}">
+                <a16:creationId xmlns:a16="http://schemas.microsoft.com/office/drawing/2014/main" id="{24F1A880-542F-4794-BD3A-8A4CAFD399D4}"/>
+              </a:ext>
+            </a:extLst>
+          </p:cNvPr>
+          <p:cNvPicPr>
+            <a:picLocks noChangeAspect="1"/>
+          </p:cNvPicPr>
+          <p:nvPr/>
+        </p:nvPicPr>
+        <p:blipFill>
+          <a:blip r:embed="rId4"/>
+          <a:stretch>
+            <a:fillRect/>
+          </a:stretch>
+        </p:blipFill>
+        <p:spPr>
+          <a:xfrm>
+            <a:off x="744747" y="1734017"/>
+            <a:ext cx="4879675" cy="3659756"/>
+          </a:xfrm>
+          <a:prstGeom prst="rect">
+            <a:avLst/>
+          </a:prstGeom>
+        </p:spPr>
+      </p:pic>
+    </p:spTree>
+    <p:extLst>
+      <p:ext uri="{BB962C8B-B14F-4D97-AF65-F5344CB8AC3E}">
+        <p14:creationId xmlns:p14="http://schemas.microsoft.com/office/powerpoint/2010/main" val="2546804668"/>
+      </p:ext>
+    </p:extLst>
+  </p:cSld>
+  <p:clrMapOvr>
+    <a:masterClrMapping/>
+  </p:clrMapOvr>
+</p:sld>
+</file>
+
+<file path=ppt/slides/slide8.xml><?xml version="1.0" encoding="utf-8"?>
+<p:sld xmlns:a="http://schemas.openxmlformats.org/drawingml/2006/main" xmlns:r="http://schemas.openxmlformats.org/officeDocument/2006/relationships" xmlns:p="http://schemas.openxmlformats.org/presentationml/2006/main">
+  <p:cSld>
+    <p:spTree>
+      <p:nvGrpSpPr>
+        <p:cNvPr id="1" name=""/>
+        <p:cNvGrpSpPr/>
+        <p:nvPr/>
+      </p:nvGrpSpPr>
+      <p:grpSpPr>
+        <a:xfrm>
+          <a:off x="0" y="0"/>
+          <a:ext cx="0" cy="0"/>
+          <a:chOff x="0" y="0"/>
+          <a:chExt cx="0" cy="0"/>
+        </a:xfrm>
+      </p:grpSpPr>
+      <p:pic>
+        <p:nvPicPr>
+          <p:cNvPr id="6" name="Picture 5" descr="Logo&#10;&#10;Description automatically generated">
+            <a:extLst>
+              <a:ext uri="{FF2B5EF4-FFF2-40B4-BE49-F238E27FC236}">
+                <a16:creationId xmlns:a16="http://schemas.microsoft.com/office/drawing/2014/main" id="{967220C6-22C7-4076-870C-3E07B2666F5A}"/>
+              </a:ext>
+            </a:extLst>
+          </p:cNvPr>
+          <p:cNvPicPr>
+            <a:picLocks noChangeAspect="1"/>
+          </p:cNvPicPr>
+          <p:nvPr/>
+        </p:nvPicPr>
+        <p:blipFill>
+          <a:blip r:embed="rId2"/>
+          <a:stretch>
+            <a:fillRect/>
+          </a:stretch>
+        </p:blipFill>
+        <p:spPr>
+          <a:xfrm>
+            <a:off x="9972113" y="-485870"/>
+            <a:ext cx="2219887" cy="2219887"/>
+          </a:xfrm>
+          <a:prstGeom prst="rect">
+            <a:avLst/>
+          </a:prstGeom>
+        </p:spPr>
+      </p:pic>
+      <p:sp>
+        <p:nvSpPr>
+          <p:cNvPr id="8" name="Rectangle 7">
+            <a:extLst>
+              <a:ext uri="{FF2B5EF4-FFF2-40B4-BE49-F238E27FC236}">
+                <a16:creationId xmlns:a16="http://schemas.microsoft.com/office/drawing/2014/main" id="{BFDD1C8A-D09F-47B1-BF02-2682F682C3A8}"/>
+              </a:ext>
+            </a:extLst>
+          </p:cNvPr>
+          <p:cNvSpPr/>
+          <p:nvPr/>
+        </p:nvSpPr>
+        <p:spPr>
+          <a:xfrm>
+            <a:off x="0" y="6723528"/>
+            <a:ext cx="12192000" cy="134471"/>
+          </a:xfrm>
+          <a:prstGeom prst="rect">
+            <a:avLst/>
+          </a:prstGeom>
+          <a:solidFill>
+            <a:schemeClr val="accent2"/>
+          </a:solidFill>
+        </p:spPr>
+        <p:style>
+          <a:lnRef idx="2">
+            <a:schemeClr val="accent2">
+              <a:shade val="50000"/>
+            </a:schemeClr>
+          </a:lnRef>
+          <a:fillRef idx="1">
+            <a:schemeClr val="accent2"/>
+          </a:fillRef>
+          <a:effectRef idx="0">
+            <a:schemeClr val="accent2"/>
+          </a:effectRef>
+          <a:fontRef idx="minor">
+            <a:schemeClr val="lt1"/>
+          </a:fontRef>
+        </p:style>
+        <p:txBody>
+          <a:bodyPr rtlCol="0" anchor="ctr"/>
+          <a:lstStyle/>
+          <a:p>
+            <a:pPr algn="ctr"/>
+            <a:endParaRPr lang="en-GB"/>
+          </a:p>
+        </p:txBody>
+      </p:sp>
+      <p:sp>
+        <p:nvSpPr>
+          <p:cNvPr id="10" name="Rectangle 9">
+            <a:extLst>
+              <a:ext uri="{FF2B5EF4-FFF2-40B4-BE49-F238E27FC236}">
+                <a16:creationId xmlns:a16="http://schemas.microsoft.com/office/drawing/2014/main" id="{192E015D-6BEF-43F9-9E52-3BC4DA3235B2}"/>
+              </a:ext>
+            </a:extLst>
+          </p:cNvPr>
+          <p:cNvSpPr/>
+          <p:nvPr/>
+        </p:nvSpPr>
+        <p:spPr>
+          <a:xfrm>
+            <a:off x="0" y="0"/>
+            <a:ext cx="12192000" cy="134471"/>
+          </a:xfrm>
+          <a:prstGeom prst="rect">
+            <a:avLst/>
+          </a:prstGeom>
+          <a:solidFill>
+            <a:schemeClr val="accent2"/>
+          </a:solidFill>
+        </p:spPr>
+        <p:style>
+          <a:lnRef idx="2">
+            <a:schemeClr val="accent2">
+              <a:shade val="50000"/>
+            </a:schemeClr>
+          </a:lnRef>
+          <a:fillRef idx="1">
+            <a:schemeClr val="accent2"/>
+          </a:fillRef>
+          <a:effectRef idx="0">
+            <a:schemeClr val="accent2"/>
+          </a:effectRef>
+          <a:fontRef idx="minor">
+            <a:schemeClr val="lt1"/>
+          </a:fontRef>
+        </p:style>
+        <p:txBody>
+          <a:bodyPr rtlCol="0" anchor="ctr"/>
+          <a:lstStyle/>
+          <a:p>
+            <a:pPr algn="ctr"/>
+            <a:endParaRPr lang="en-GB"/>
+          </a:p>
+        </p:txBody>
+      </p:sp>
+      <p:sp>
+        <p:nvSpPr>
+          <p:cNvPr id="7" name="Title 6">
+            <a:extLst>
+              <a:ext uri="{FF2B5EF4-FFF2-40B4-BE49-F238E27FC236}">
+                <a16:creationId xmlns:a16="http://schemas.microsoft.com/office/drawing/2014/main" id="{58D177C2-A994-4024-8EF7-8BA5253210C7}"/>
+              </a:ext>
+            </a:extLst>
+          </p:cNvPr>
+          <p:cNvSpPr>
+            <a:spLocks noGrp="1"/>
+          </p:cNvSpPr>
+          <p:nvPr>
+            <p:ph type="title"/>
+          </p:nvPr>
+        </p:nvSpPr>
+        <p:spPr/>
+        <p:txBody>
+          <a:bodyPr/>
+          <a:lstStyle/>
+          <a:p>
+            <a:r>
+              <a:rPr lang="en-GB" dirty="0"/>
+              <a:t>Excision + Management iv)</a:t>
+            </a:r>
+            <a:br>
+              <a:rPr lang="en-GB" dirty="0"/>
+            </a:br>
+            <a:r>
+              <a:rPr lang="en-GB" sz="2400" dirty="0"/>
+              <a:t>-How much data can we lose?</a:t>
+            </a:r>
+          </a:p>
+        </p:txBody>
+      </p:sp>
+      <p:pic>
+        <p:nvPicPr>
+          <p:cNvPr id="15" name="Picture 14" descr="Chart, histogram&#10;&#10;Description automatically generated">
+            <a:extLst>
+              <a:ext uri="{FF2B5EF4-FFF2-40B4-BE49-F238E27FC236}">
+                <a16:creationId xmlns:a16="http://schemas.microsoft.com/office/drawing/2014/main" id="{C4A7459B-9DA0-4FD1-8AB3-6A8471C977A7}"/>
+              </a:ext>
+            </a:extLst>
+          </p:cNvPr>
+          <p:cNvPicPr>
+            <a:picLocks noChangeAspect="1"/>
+          </p:cNvPicPr>
+          <p:nvPr/>
+        </p:nvPicPr>
+        <p:blipFill>
+          <a:blip r:embed="rId3"/>
+          <a:stretch>
+            <a:fillRect/>
+          </a:stretch>
+        </p:blipFill>
+        <p:spPr>
+          <a:xfrm>
+            <a:off x="982152" y="1921342"/>
+            <a:ext cx="10227696" cy="3728763"/>
+          </a:xfrm>
+          <a:prstGeom prst="rect">
+            <a:avLst/>
+          </a:prstGeom>
+        </p:spPr>
+      </p:pic>
+    </p:spTree>
+    <p:extLst>
+      <p:ext uri="{BB962C8B-B14F-4D97-AF65-F5344CB8AC3E}">
+        <p14:creationId xmlns:p14="http://schemas.microsoft.com/office/powerpoint/2010/main" val="1660855361"/>
+      </p:ext>
+    </p:extLst>
+  </p:cSld>
+  <p:clrMapOvr>
+    <a:masterClrMapping/>
+  </p:clrMapOvr>
+</p:sld>
+</file>
+
+<file path=ppt/slides/slide9.xml><?xml version="1.0" encoding="utf-8"?>
+<p:sld xmlns:a="http://schemas.openxmlformats.org/drawingml/2006/main" xmlns:r="http://schemas.openxmlformats.org/officeDocument/2006/relationships" xmlns:p="http://schemas.openxmlformats.org/presentationml/2006/main">
+  <p:cSld>
+    <p:spTree>
+      <p:nvGrpSpPr>
+        <p:cNvPr id="1" name=""/>
+        <p:cNvGrpSpPr/>
+        <p:nvPr/>
+      </p:nvGrpSpPr>
+      <p:grpSpPr>
+        <a:xfrm>
+          <a:off x="0" y="0"/>
+          <a:ext cx="0" cy="0"/>
+          <a:chOff x="0" y="0"/>
+          <a:chExt cx="0" cy="0"/>
+        </a:xfrm>
+      </p:grpSpPr>
+      <p:pic>
+        <p:nvPicPr>
+          <p:cNvPr id="6" name="Picture 5" descr="Logo&#10;&#10;Description automatically generated">
+            <a:extLst>
+              <a:ext uri="{FF2B5EF4-FFF2-40B4-BE49-F238E27FC236}">
+                <a16:creationId xmlns:a16="http://schemas.microsoft.com/office/drawing/2014/main" id="{967220C6-22C7-4076-870C-3E07B2666F5A}"/>
+              </a:ext>
+            </a:extLst>
+          </p:cNvPr>
+          <p:cNvPicPr>
+            <a:picLocks noChangeAspect="1"/>
+          </p:cNvPicPr>
+          <p:nvPr/>
+        </p:nvPicPr>
+        <p:blipFill>
+          <a:blip r:embed="rId2"/>
+          <a:stretch>
+            <a:fillRect/>
+          </a:stretch>
+        </p:blipFill>
+        <p:spPr>
+          <a:xfrm>
+            <a:off x="9972113" y="-485870"/>
+            <a:ext cx="2219887" cy="2219887"/>
+          </a:xfrm>
+          <a:prstGeom prst="rect">
+            <a:avLst/>
+          </a:prstGeom>
+        </p:spPr>
+      </p:pic>
+      <p:sp>
+        <p:nvSpPr>
+          <p:cNvPr id="8" name="Rectangle 7">
+            <a:extLst>
+              <a:ext uri="{FF2B5EF4-FFF2-40B4-BE49-F238E27FC236}">
+                <a16:creationId xmlns:a16="http://schemas.microsoft.com/office/drawing/2014/main" id="{BFDD1C8A-D09F-47B1-BF02-2682F682C3A8}"/>
+              </a:ext>
+            </a:extLst>
+          </p:cNvPr>
+          <p:cNvSpPr/>
+          <p:nvPr/>
+        </p:nvSpPr>
+        <p:spPr>
+          <a:xfrm>
+            <a:off x="0" y="6723528"/>
+            <a:ext cx="12192000" cy="134471"/>
+          </a:xfrm>
+          <a:prstGeom prst="rect">
+            <a:avLst/>
+          </a:prstGeom>
+          <a:solidFill>
+            <a:schemeClr val="accent2"/>
+          </a:solidFill>
+        </p:spPr>
+        <p:style>
+          <a:lnRef idx="2">
+            <a:schemeClr val="accent2">
+              <a:shade val="50000"/>
+            </a:schemeClr>
+          </a:lnRef>
+          <a:fillRef idx="1">
+            <a:schemeClr val="accent2"/>
+          </a:fillRef>
+          <a:effectRef idx="0">
+            <a:schemeClr val="accent2"/>
+          </a:effectRef>
+          <a:fontRef idx="minor">
+            <a:schemeClr val="lt1"/>
+          </a:fontRef>
+        </p:style>
+        <p:txBody>
+          <a:bodyPr rtlCol="0" anchor="ctr"/>
+          <a:lstStyle/>
+          <a:p>
+            <a:pPr algn="ctr"/>
+            <a:endParaRPr lang="en-GB"/>
+          </a:p>
+        </p:txBody>
+      </p:sp>
+      <p:sp>
+        <p:nvSpPr>
+          <p:cNvPr id="10" name="Rectangle 9">
+            <a:extLst>
+              <a:ext uri="{FF2B5EF4-FFF2-40B4-BE49-F238E27FC236}">
+                <a16:creationId xmlns:a16="http://schemas.microsoft.com/office/drawing/2014/main" id="{192E015D-6BEF-43F9-9E52-3BC4DA3235B2}"/>
+              </a:ext>
+            </a:extLst>
+          </p:cNvPr>
+          <p:cNvSpPr/>
+          <p:nvPr/>
+        </p:nvSpPr>
+        <p:spPr>
+          <a:xfrm>
+            <a:off x="0" y="0"/>
+            <a:ext cx="12192000" cy="134471"/>
+          </a:xfrm>
+          <a:prstGeom prst="rect">
+            <a:avLst/>
+          </a:prstGeom>
+          <a:solidFill>
+            <a:schemeClr val="accent2"/>
+          </a:solidFill>
+        </p:spPr>
+        <p:style>
+          <a:lnRef idx="2">
+            <a:schemeClr val="accent2">
+              <a:shade val="50000"/>
+            </a:schemeClr>
+          </a:lnRef>
+          <a:fillRef idx="1">
+            <a:schemeClr val="accent2"/>
+          </a:fillRef>
+          <a:effectRef idx="0">
+            <a:schemeClr val="accent2"/>
+          </a:effectRef>
+          <a:fontRef idx="minor">
+            <a:schemeClr val="lt1"/>
+          </a:fontRef>
+        </p:style>
+        <p:txBody>
+          <a:bodyPr rtlCol="0" anchor="ctr"/>
+          <a:lstStyle/>
+          <a:p>
+            <a:pPr algn="ctr"/>
+            <a:endParaRPr lang="en-GB"/>
+          </a:p>
+        </p:txBody>
+      </p:sp>
+      <p:sp>
+        <p:nvSpPr>
+          <p:cNvPr id="7" name="Title 6">
+            <a:extLst>
+              <a:ext uri="{FF2B5EF4-FFF2-40B4-BE49-F238E27FC236}">
+                <a16:creationId xmlns:a16="http://schemas.microsoft.com/office/drawing/2014/main" id="{58D177C2-A994-4024-8EF7-8BA5253210C7}"/>
+              </a:ext>
+            </a:extLst>
+          </p:cNvPr>
+          <p:cNvSpPr>
+            <a:spLocks noGrp="1"/>
+          </p:cNvSpPr>
+          <p:nvPr>
+            <p:ph type="title"/>
+          </p:nvPr>
+        </p:nvSpPr>
+        <p:spPr/>
+        <p:txBody>
+          <a:bodyPr/>
+          <a:lstStyle/>
+          <a:p>
+            <a:r>
+              <a:rPr lang="en-GB" dirty="0"/>
+              <a:t>Excision + Management v)</a:t>
+            </a:r>
+            <a:br>
+              <a:rPr lang="en-GB" dirty="0"/>
+            </a:br>
+            <a:r>
+              <a:rPr lang="en-GB" sz="2400" dirty="0"/>
+              <a:t>-How much data can we lose (Evidence Difference)?</a:t>
+            </a:r>
+          </a:p>
+        </p:txBody>
+      </p:sp>
+      <p:pic>
+        <p:nvPicPr>
+          <p:cNvPr id="9" name="Picture 19">
+            <a:extLst>
+              <a:ext uri="{FF2B5EF4-FFF2-40B4-BE49-F238E27FC236}">
+                <a16:creationId xmlns:a16="http://schemas.microsoft.com/office/drawing/2014/main" id="{5AA4E7CF-38F8-42ED-B5A4-0B7765372014}"/>
+              </a:ext>
+            </a:extLst>
+          </p:cNvPr>
+          <p:cNvPicPr>
+            <a:picLocks noChangeAspect="1"/>
+          </p:cNvPicPr>
+          <p:nvPr/>
+        </p:nvPicPr>
+        <p:blipFill>
+          <a:blip r:embed="rId3"/>
+          <a:stretch>
+            <a:fillRect/>
+          </a:stretch>
+        </p:blipFill>
+        <p:spPr>
+          <a:xfrm>
+            <a:off x="1725955" y="1964671"/>
+            <a:ext cx="4383720" cy="3287879"/>
+          </a:xfrm>
+          <a:prstGeom prst="rect">
+            <a:avLst/>
+          </a:prstGeom>
+          <a:noFill/>
+          <a:ln cap="flat">
+            <a:noFill/>
+          </a:ln>
+        </p:spPr>
+      </p:pic>
+      <p:pic>
+        <p:nvPicPr>
+          <p:cNvPr id="11" name="Content Placeholder 15" descr="Chart, scatter chart&#10;&#10;Description automatically generated">
+            <a:extLst>
+              <a:ext uri="{FF2B5EF4-FFF2-40B4-BE49-F238E27FC236}">
+                <a16:creationId xmlns:a16="http://schemas.microsoft.com/office/drawing/2014/main" id="{5563BE2F-5C33-4778-BC47-D872CB5FD7C1}"/>
+              </a:ext>
+            </a:extLst>
+          </p:cNvPr>
+          <p:cNvPicPr>
+            <a:picLocks noChangeAspect="1"/>
+          </p:cNvPicPr>
+          <p:nvPr/>
+        </p:nvPicPr>
+        <p:blipFill>
+          <a:blip r:embed="rId4"/>
+          <a:stretch>
+            <a:fillRect/>
+          </a:stretch>
+        </p:blipFill>
+        <p:spPr>
+          <a:xfrm>
+            <a:off x="6223075" y="1964671"/>
+            <a:ext cx="4383720" cy="3287879"/>
+          </a:xfrm>
+          <a:prstGeom prst="rect">
+            <a:avLst/>
+          </a:prstGeom>
+          <a:noFill/>
+          <a:ln cap="flat">
+            <a:noFill/>
+          </a:ln>
+        </p:spPr>
+      </p:pic>
+      <p:sp>
+        <p:nvSpPr>
+          <p:cNvPr id="12" name="TextBox 11">
+            <a:extLst>
+              <a:ext uri="{FF2B5EF4-FFF2-40B4-BE49-F238E27FC236}">
+                <a16:creationId xmlns:a16="http://schemas.microsoft.com/office/drawing/2014/main" id="{C17501BF-0AB3-4036-A094-15F332EC4466}"/>
+              </a:ext>
+            </a:extLst>
+          </p:cNvPr>
+          <p:cNvSpPr txBox="1"/>
+          <p:nvPr/>
+        </p:nvSpPr>
+        <p:spPr>
+          <a:xfrm>
+            <a:off x="3261145" y="2044951"/>
+            <a:ext cx="1002960" cy="356400"/>
+          </a:xfrm>
+          <a:prstGeom prst="rect">
+            <a:avLst/>
+          </a:prstGeom>
+          <a:noFill/>
+          <a:ln cap="flat">
+            <a:noFill/>
+          </a:ln>
+        </p:spPr>
+        <p:txBody>
+          <a:bodyPr vert="horz" wrap="square" lIns="90000" tIns="45000" rIns="90000" bIns="45000" anchor="t" anchorCtr="0" compatLnSpc="0">
+            <a:spAutoFit/>
+          </a:bodyPr>
+          <a:lstStyle/>
+          <a:p>
+            <a:pPr marL="0" marR="0" lvl="0" indent="0" algn="l" rtl="0" hangingPunct="0">
+              <a:lnSpc>
+                <a:spcPct val="100000"/>
+              </a:lnSpc>
+              <a:spcBef>
+                <a:spcPts val="0"/>
+              </a:spcBef>
+              <a:spcAft>
+                <a:spcPts val="0"/>
+              </a:spcAft>
+              <a:buNone/>
+              <a:tabLst/>
+            </a:pPr>
+            <a:r>
+              <a:rPr lang="en-US" sz="1800" b="0" i="0" u="none" strike="noStrike" kern="1200" cap="none" spc="0" baseline="0">
+                <a:ln>
+                  <a:noFill/>
+                </a:ln>
+                <a:solidFill>
+                  <a:srgbClr val="000000"/>
+                </a:solidFill>
+                <a:latin typeface="Liberation Sans" pitchFamily="18"/>
+                <a:ea typeface="Noto Sans CJK SC" pitchFamily="2"/>
+                <a:cs typeface="FreeSans" pitchFamily="2"/>
+              </a:rPr>
+              <a:t>Spiral</a:t>
+            </a:r>
+          </a:p>
+        </p:txBody>
+      </p:sp>
+      <p:sp>
+        <p:nvSpPr>
+          <p:cNvPr id="13" name="TextBox 12">
+            <a:extLst>
+              <a:ext uri="{FF2B5EF4-FFF2-40B4-BE49-F238E27FC236}">
+                <a16:creationId xmlns:a16="http://schemas.microsoft.com/office/drawing/2014/main" id="{1B9D3C09-90A0-45B1-A216-D4D3AA4BCB6F}"/>
+              </a:ext>
+            </a:extLst>
+          </p:cNvPr>
+          <p:cNvSpPr txBox="1"/>
+          <p:nvPr/>
+        </p:nvSpPr>
+        <p:spPr>
+          <a:xfrm>
+            <a:off x="7994064" y="2044951"/>
+            <a:ext cx="1103400" cy="356400"/>
+          </a:xfrm>
+          <a:prstGeom prst="rect">
+            <a:avLst/>
+          </a:prstGeom>
+          <a:noFill/>
+          <a:ln cap="flat">
+            <a:noFill/>
+          </a:ln>
+        </p:spPr>
+        <p:txBody>
+          <a:bodyPr vert="horz" wrap="square" lIns="90000" tIns="45000" rIns="90000" bIns="45000" anchor="t" anchorCtr="0" compatLnSpc="0">
+            <a:spAutoFit/>
+          </a:bodyPr>
+          <a:lstStyle/>
+          <a:p>
+            <a:pPr marL="0" marR="0" lvl="0" indent="0" algn="l" rtl="0" hangingPunct="0">
+              <a:lnSpc>
+                <a:spcPct val="100000"/>
+              </a:lnSpc>
+              <a:spcBef>
+                <a:spcPts val="0"/>
+              </a:spcBef>
+              <a:spcAft>
+                <a:spcPts val="0"/>
+              </a:spcAft>
+              <a:buNone/>
+              <a:tabLst/>
+            </a:pPr>
+            <a:r>
+              <a:rPr lang="en-US" sz="1800" b="0" i="0" u="none" strike="noStrike" kern="1200" cap="none" spc="0" baseline="0">
+                <a:ln>
+                  <a:noFill/>
+                </a:ln>
+                <a:solidFill>
+                  <a:srgbClr val="000000"/>
+                </a:solidFill>
+                <a:latin typeface="Liberation Sans" pitchFamily="18"/>
+                <a:ea typeface="Noto Sans CJK SC" pitchFamily="2"/>
+                <a:cs typeface="FreeSans" pitchFamily="2"/>
+              </a:rPr>
+              <a:t>Dipole</a:t>
+            </a:r>
+          </a:p>
+        </p:txBody>
+      </p:sp>
+    </p:spTree>
+    <p:extLst>
+      <p:ext uri="{BB962C8B-B14F-4D97-AF65-F5344CB8AC3E}">
+        <p14:creationId xmlns:p14="http://schemas.microsoft.com/office/powerpoint/2010/main" val="2906797065"/>
       </p:ext>
     </p:extLst>
   </p:cSld>
